--- a/thesis/abs/baocao.pptx
+++ b/thesis/abs/baocao.pptx
@@ -31727,258 +31727,6 @@
       </p:sp>
       <p:grpSp>
         <p:nvGrpSpPr>
-          <p:cNvPr id="45" name="Group 44">
-            <a:extLst>
-              <a:ext uri="{FF2B5EF4-FFF2-40B4-BE49-F238E27FC236}">
-                <a16:creationId xmlns:a16="http://schemas.microsoft.com/office/drawing/2014/main" id="{FEEDC367-0367-615B-38E9-C36917FF6F33}"/>
-              </a:ext>
-            </a:extLst>
-          </p:cNvPr>
-          <p:cNvGrpSpPr/>
-          <p:nvPr/>
-        </p:nvGrpSpPr>
-        <p:grpSpPr>
-          <a:xfrm>
-            <a:off x="445264" y="4916129"/>
-            <a:ext cx="1157418" cy="894735"/>
-            <a:chOff x="353961" y="5240594"/>
-            <a:chExt cx="1157418" cy="894735"/>
-          </a:xfrm>
-          <a:solidFill>
-            <a:schemeClr val="accent3">
-              <a:lumMod val="60000"/>
-              <a:lumOff val="40000"/>
-            </a:schemeClr>
-          </a:solidFill>
-        </p:grpSpPr>
-        <p:sp>
-          <p:nvSpPr>
-            <p:cNvPr id="43" name="Arrow: Chevron 42">
-              <a:extLst>
-                <a:ext uri="{FF2B5EF4-FFF2-40B4-BE49-F238E27FC236}">
-                  <a16:creationId xmlns:a16="http://schemas.microsoft.com/office/drawing/2014/main" id="{70A8888A-3EB9-D59E-2D25-6F8AD3A3E1F3}"/>
-                </a:ext>
-              </a:extLst>
-            </p:cNvPr>
-            <p:cNvSpPr/>
-            <p:nvPr/>
-          </p:nvSpPr>
-          <p:spPr>
-            <a:xfrm>
-              <a:off x="353961" y="5240594"/>
-              <a:ext cx="670012" cy="894735"/>
-            </a:xfrm>
-            <a:prstGeom prst="chevron">
-              <a:avLst/>
-            </a:prstGeom>
-            <a:grpFill/>
-          </p:spPr>
-          <p:style>
-            <a:lnRef idx="2">
-              <a:schemeClr val="accent1">
-                <a:shade val="15000"/>
-              </a:schemeClr>
-            </a:lnRef>
-            <a:fillRef idx="1">
-              <a:schemeClr val="accent1"/>
-            </a:fillRef>
-            <a:effectRef idx="0">
-              <a:schemeClr val="accent1"/>
-            </a:effectRef>
-            <a:fontRef idx="minor">
-              <a:schemeClr val="lt1"/>
-            </a:fontRef>
-          </p:style>
-          <p:txBody>
-            <a:bodyPr rtlCol="0" anchor="ctr"/>
-            <a:lstStyle/>
-            <a:p>
-              <a:pPr algn="ctr"/>
-              <a:endParaRPr lang="en-US">
-                <a:solidFill>
-                  <a:schemeClr val="tx1"/>
-                </a:solidFill>
-                <a:latin typeface="Arial" panose="020B0604020202020204" pitchFamily="34" charset="0"/>
-                <a:cs typeface="Arial" panose="020B0604020202020204" pitchFamily="34" charset="0"/>
-              </a:endParaRPr>
-            </a:p>
-          </p:txBody>
-        </p:sp>
-        <p:sp>
-          <p:nvSpPr>
-            <p:cNvPr id="44" name="Arrow: Chevron 43">
-              <a:extLst>
-                <a:ext uri="{FF2B5EF4-FFF2-40B4-BE49-F238E27FC236}">
-                  <a16:creationId xmlns:a16="http://schemas.microsoft.com/office/drawing/2014/main" id="{80AB8BD6-9B17-F0D9-D6AB-C99D499241D9}"/>
-                </a:ext>
-              </a:extLst>
-            </p:cNvPr>
-            <p:cNvSpPr/>
-            <p:nvPr/>
-          </p:nvSpPr>
-          <p:spPr>
-            <a:xfrm>
-              <a:off x="841367" y="5240594"/>
-              <a:ext cx="670012" cy="894735"/>
-            </a:xfrm>
-            <a:prstGeom prst="chevron">
-              <a:avLst/>
-            </a:prstGeom>
-            <a:grpFill/>
-          </p:spPr>
-          <p:style>
-            <a:lnRef idx="2">
-              <a:schemeClr val="accent1">
-                <a:shade val="15000"/>
-              </a:schemeClr>
-            </a:lnRef>
-            <a:fillRef idx="1">
-              <a:schemeClr val="accent1"/>
-            </a:fillRef>
-            <a:effectRef idx="0">
-              <a:schemeClr val="accent1"/>
-            </a:effectRef>
-            <a:fontRef idx="minor">
-              <a:schemeClr val="lt1"/>
-            </a:fontRef>
-          </p:style>
-          <p:txBody>
-            <a:bodyPr rtlCol="0" anchor="ctr"/>
-            <a:lstStyle/>
-            <a:p>
-              <a:pPr algn="ctr"/>
-              <a:endParaRPr lang="en-US">
-                <a:solidFill>
-                  <a:schemeClr val="tx1"/>
-                </a:solidFill>
-                <a:latin typeface="Arial" panose="020B0604020202020204" pitchFamily="34" charset="0"/>
-                <a:cs typeface="Arial" panose="020B0604020202020204" pitchFamily="34" charset="0"/>
-              </a:endParaRPr>
-            </a:p>
-          </p:txBody>
-        </p:sp>
-      </p:grpSp>
-      <p:sp>
-        <p:nvSpPr>
-          <p:cNvPr id="46" name="TextBox 45">
-            <a:extLst>
-              <a:ext uri="{FF2B5EF4-FFF2-40B4-BE49-F238E27FC236}">
-                <a16:creationId xmlns:a16="http://schemas.microsoft.com/office/drawing/2014/main" id="{5E960B9C-D2CF-E997-4E39-97C4D10D693E}"/>
-              </a:ext>
-            </a:extLst>
-          </p:cNvPr>
-          <p:cNvSpPr txBox="1"/>
-          <p:nvPr/>
-        </p:nvSpPr>
-        <p:spPr>
-          <a:xfrm>
-            <a:off x="1718436" y="4954559"/>
-            <a:ext cx="9696816" cy="923330"/>
-          </a:xfrm>
-          <a:prstGeom prst="rect">
-            <a:avLst/>
-          </a:prstGeom>
-          <a:noFill/>
-        </p:spPr>
-        <p:txBody>
-          <a:bodyPr wrap="square" rtlCol="0">
-            <a:spAutoFit/>
-          </a:bodyPr>
-          <a:lstStyle/>
-          <a:p>
-            <a:r>
-              <a:rPr lang="vi-VN" dirty="0">
-                <a:latin typeface="Arial" panose="020B0604020202020204" pitchFamily="34" charset="0"/>
-                <a:cs typeface="Arial" panose="020B0604020202020204" pitchFamily="34" charset="0"/>
-              </a:rPr>
-              <a:t>Phát triển </a:t>
-            </a:r>
-            <a:r>
-              <a:rPr lang="en-US" dirty="0">
-                <a:latin typeface="Arial" panose="020B0604020202020204" pitchFamily="34" charset="0"/>
-                <a:cs typeface="Arial" panose="020B0604020202020204" pitchFamily="34" charset="0"/>
-              </a:rPr>
-              <a:t>g</a:t>
-            </a:r>
-            <a:r>
-              <a:rPr lang="vi-VN" dirty="0" err="1">
-                <a:latin typeface="Arial" panose="020B0604020202020204" pitchFamily="34" charset="0"/>
-                <a:cs typeface="Arial" panose="020B0604020202020204" pitchFamily="34" charset="0"/>
-              </a:rPr>
-              <a:t>ame</a:t>
-            </a:r>
-            <a:r>
-              <a:rPr lang="vi-VN" dirty="0">
-                <a:latin typeface="Arial" panose="020B0604020202020204" pitchFamily="34" charset="0"/>
-                <a:cs typeface="Arial" panose="020B0604020202020204" pitchFamily="34" charset="0"/>
-              </a:rPr>
-              <a:t> </a:t>
-            </a:r>
-            <a:r>
-              <a:rPr lang="vi-VN" dirty="0" err="1">
-                <a:latin typeface="Arial" panose="020B0604020202020204" pitchFamily="34" charset="0"/>
-                <a:cs typeface="Arial" panose="020B0604020202020204" pitchFamily="34" charset="0"/>
-              </a:rPr>
-              <a:t>Lines</a:t>
-            </a:r>
-            <a:r>
-              <a:rPr lang="vi-VN" dirty="0">
-                <a:latin typeface="Arial" panose="020B0604020202020204" pitchFamily="34" charset="0"/>
-                <a:cs typeface="Arial" panose="020B0604020202020204" pitchFamily="34" charset="0"/>
-              </a:rPr>
-              <a:t> trên nền tảng </a:t>
-            </a:r>
-            <a:r>
-              <a:rPr lang="vi-VN" dirty="0" err="1">
-                <a:latin typeface="Arial" panose="020B0604020202020204" pitchFamily="34" charset="0"/>
-                <a:cs typeface="Arial" panose="020B0604020202020204" pitchFamily="34" charset="0"/>
-              </a:rPr>
-              <a:t>web</a:t>
-            </a:r>
-            <a:r>
-              <a:rPr lang="vi-VN" dirty="0">
-                <a:latin typeface="Arial" panose="020B0604020202020204" pitchFamily="34" charset="0"/>
-                <a:cs typeface="Arial" panose="020B0604020202020204" pitchFamily="34" charset="0"/>
-              </a:rPr>
-              <a:t> với tính năng điều khiển bằng cử chỉ tay sử dụng công nghệ </a:t>
-            </a:r>
-            <a:r>
-              <a:rPr lang="vi-VN" dirty="0" err="1">
-                <a:latin typeface="Arial" panose="020B0604020202020204" pitchFamily="34" charset="0"/>
-                <a:cs typeface="Arial" panose="020B0604020202020204" pitchFamily="34" charset="0"/>
-              </a:rPr>
-              <a:t>MediaPipe</a:t>
-            </a:r>
-            <a:r>
-              <a:rPr lang="vi-VN" dirty="0">
-                <a:latin typeface="Arial" panose="020B0604020202020204" pitchFamily="34" charset="0"/>
-                <a:cs typeface="Arial" panose="020B0604020202020204" pitchFamily="34" charset="0"/>
-              </a:rPr>
-              <a:t> không chỉ làm mới trải nghiệm chơi </a:t>
-            </a:r>
-            <a:r>
-              <a:rPr lang="vi-VN" dirty="0" err="1">
-                <a:latin typeface="Arial" panose="020B0604020202020204" pitchFamily="34" charset="0"/>
-                <a:cs typeface="Arial" panose="020B0604020202020204" pitchFamily="34" charset="0"/>
-              </a:rPr>
-              <a:t>game</a:t>
-            </a:r>
-            <a:r>
-              <a:rPr lang="vi-VN" dirty="0">
-                <a:latin typeface="Arial" panose="020B0604020202020204" pitchFamily="34" charset="0"/>
-                <a:cs typeface="Arial" panose="020B0604020202020204" pitchFamily="34" charset="0"/>
-              </a:rPr>
-              <a:t> quen thuộc mà còn mở ra một xu hướng sáng tạo và tương tác hiện đại trong thời đại số.</a:t>
-            </a:r>
-            <a:endParaRPr lang="en-US" dirty="0">
-              <a:latin typeface="Arial" panose="020B0604020202020204" pitchFamily="34" charset="0"/>
-              <a:cs typeface="Arial" panose="020B0604020202020204" pitchFamily="34" charset="0"/>
-            </a:endParaRPr>
-          </a:p>
-        </p:txBody>
-      </p:sp>
-      <p:grpSp>
-        <p:nvGrpSpPr>
           <p:cNvPr id="40" name="Group 39">
             <a:extLst>
               <a:ext uri="{FF2B5EF4-FFF2-40B4-BE49-F238E27FC236}">
@@ -31991,7 +31739,7 @@
         </p:nvGrpSpPr>
         <p:grpSpPr>
           <a:xfrm>
-            <a:off x="146676" y="1494503"/>
+            <a:off x="167458" y="2170468"/>
             <a:ext cx="3736256" cy="2517053"/>
             <a:chOff x="265471" y="1494503"/>
             <a:chExt cx="3559275" cy="2261419"/>
@@ -32462,7 +32210,7 @@
         </p:nvGrpSpPr>
         <p:grpSpPr>
           <a:xfrm>
-            <a:off x="4194521" y="1494503"/>
+            <a:off x="4215303" y="2170468"/>
             <a:ext cx="3775584" cy="2517051"/>
             <a:chOff x="4375353" y="1494503"/>
             <a:chExt cx="3559275" cy="2261419"/>
@@ -33035,7 +32783,7 @@
         </p:nvGrpSpPr>
         <p:grpSpPr>
           <a:xfrm>
-            <a:off x="8281695" y="1494516"/>
+            <a:off x="8302477" y="2170481"/>
             <a:ext cx="3645643" cy="2517038"/>
             <a:chOff x="8490143" y="1494503"/>
             <a:chExt cx="3447694" cy="2261419"/>
@@ -33746,7 +33494,7 @@
         </p:blipFill>
         <p:spPr bwMode="auto">
           <a:xfrm>
-            <a:off x="1480853" y="1874968"/>
+            <a:off x="1501635" y="2550933"/>
             <a:ext cx="1057582" cy="1057582"/>
           </a:xfrm>
           <a:prstGeom prst="rect">
@@ -33793,7 +33541,7 @@
         </p:blipFill>
         <p:spPr bwMode="auto">
           <a:xfrm>
-            <a:off x="5427419" y="1824329"/>
+            <a:off x="5448201" y="2500294"/>
             <a:ext cx="1158860" cy="1158860"/>
           </a:xfrm>
           <a:prstGeom prst="rect">
@@ -33840,7 +33588,7 @@
         </p:blipFill>
         <p:spPr bwMode="auto">
           <a:xfrm>
-            <a:off x="9559496" y="1711329"/>
+            <a:off x="9580278" y="2387294"/>
             <a:ext cx="1196959" cy="1196959"/>
           </a:xfrm>
           <a:prstGeom prst="rect">
@@ -33868,203 +33616,6 @@
   <p:clrMapOvr>
     <a:masterClrMapping/>
   </p:clrMapOvr>
-  <p:timing>
-    <p:tnLst>
-      <p:par>
-        <p:cTn id="1" dur="indefinite" restart="never" nodeType="tmRoot">
-          <p:childTnLst>
-            <p:seq concurrent="1" nextAc="seek">
-              <p:cTn id="2" dur="indefinite" nodeType="mainSeq">
-                <p:childTnLst>
-                  <p:par>
-                    <p:cTn id="3" fill="hold">
-                      <p:stCondLst>
-                        <p:cond delay="indefinite"/>
-                      </p:stCondLst>
-                      <p:childTnLst>
-                        <p:par>
-                          <p:cTn id="4" fill="hold">
-                            <p:stCondLst>
-                              <p:cond delay="0"/>
-                            </p:stCondLst>
-                            <p:childTnLst>
-                              <p:par>
-                                <p:cTn id="5" presetID="2" presetClass="entr" presetSubtype="4" fill="hold" nodeType="clickEffect">
-                                  <p:stCondLst>
-                                    <p:cond delay="0"/>
-                                  </p:stCondLst>
-                                  <p:childTnLst>
-                                    <p:set>
-                                      <p:cBhvr>
-                                        <p:cTn id="6" dur="1" fill="hold">
-                                          <p:stCondLst>
-                                            <p:cond delay="0"/>
-                                          </p:stCondLst>
-                                        </p:cTn>
-                                        <p:tgtEl>
-                                          <p:spTgt spid="45"/>
-                                        </p:tgtEl>
-                                        <p:attrNameLst>
-                                          <p:attrName>style.visibility</p:attrName>
-                                        </p:attrNameLst>
-                                      </p:cBhvr>
-                                      <p:to>
-                                        <p:strVal val="visible"/>
-                                      </p:to>
-                                    </p:set>
-                                    <p:anim calcmode="lin" valueType="num">
-                                      <p:cBhvr additive="base">
-                                        <p:cTn id="7" dur="500" fill="hold"/>
-                                        <p:tgtEl>
-                                          <p:spTgt spid="45"/>
-                                        </p:tgtEl>
-                                        <p:attrNameLst>
-                                          <p:attrName>ppt_x</p:attrName>
-                                        </p:attrNameLst>
-                                      </p:cBhvr>
-                                      <p:tavLst>
-                                        <p:tav tm="0">
-                                          <p:val>
-                                            <p:strVal val="#ppt_x"/>
-                                          </p:val>
-                                        </p:tav>
-                                        <p:tav tm="100000">
-                                          <p:val>
-                                            <p:strVal val="#ppt_x"/>
-                                          </p:val>
-                                        </p:tav>
-                                      </p:tavLst>
-                                    </p:anim>
-                                    <p:anim calcmode="lin" valueType="num">
-                                      <p:cBhvr additive="base">
-                                        <p:cTn id="8" dur="500" fill="hold"/>
-                                        <p:tgtEl>
-                                          <p:spTgt spid="45"/>
-                                        </p:tgtEl>
-                                        <p:attrNameLst>
-                                          <p:attrName>ppt_y</p:attrName>
-                                        </p:attrNameLst>
-                                      </p:cBhvr>
-                                      <p:tavLst>
-                                        <p:tav tm="0">
-                                          <p:val>
-                                            <p:strVal val="1+#ppt_h/2"/>
-                                          </p:val>
-                                        </p:tav>
-                                        <p:tav tm="100000">
-                                          <p:val>
-                                            <p:strVal val="#ppt_y"/>
-                                          </p:val>
-                                        </p:tav>
-                                      </p:tavLst>
-                                    </p:anim>
-                                  </p:childTnLst>
-                                </p:cTn>
-                              </p:par>
-                              <p:par>
-                                <p:cTn id="9" presetID="2" presetClass="entr" presetSubtype="4" fill="hold" grpId="0" nodeType="withEffect">
-                                  <p:stCondLst>
-                                    <p:cond delay="0"/>
-                                  </p:stCondLst>
-                                  <p:childTnLst>
-                                    <p:set>
-                                      <p:cBhvr>
-                                        <p:cTn id="10" dur="1" fill="hold">
-                                          <p:stCondLst>
-                                            <p:cond delay="0"/>
-                                          </p:stCondLst>
-                                        </p:cTn>
-                                        <p:tgtEl>
-                                          <p:spTgt spid="46"/>
-                                        </p:tgtEl>
-                                        <p:attrNameLst>
-                                          <p:attrName>style.visibility</p:attrName>
-                                        </p:attrNameLst>
-                                      </p:cBhvr>
-                                      <p:to>
-                                        <p:strVal val="visible"/>
-                                      </p:to>
-                                    </p:set>
-                                    <p:anim calcmode="lin" valueType="num">
-                                      <p:cBhvr additive="base">
-                                        <p:cTn id="11" dur="500" fill="hold"/>
-                                        <p:tgtEl>
-                                          <p:spTgt spid="46"/>
-                                        </p:tgtEl>
-                                        <p:attrNameLst>
-                                          <p:attrName>ppt_x</p:attrName>
-                                        </p:attrNameLst>
-                                      </p:cBhvr>
-                                      <p:tavLst>
-                                        <p:tav tm="0">
-                                          <p:val>
-                                            <p:strVal val="#ppt_x"/>
-                                          </p:val>
-                                        </p:tav>
-                                        <p:tav tm="100000">
-                                          <p:val>
-                                            <p:strVal val="#ppt_x"/>
-                                          </p:val>
-                                        </p:tav>
-                                      </p:tavLst>
-                                    </p:anim>
-                                    <p:anim calcmode="lin" valueType="num">
-                                      <p:cBhvr additive="base">
-                                        <p:cTn id="12" dur="500" fill="hold"/>
-                                        <p:tgtEl>
-                                          <p:spTgt spid="46"/>
-                                        </p:tgtEl>
-                                        <p:attrNameLst>
-                                          <p:attrName>ppt_y</p:attrName>
-                                        </p:attrNameLst>
-                                      </p:cBhvr>
-                                      <p:tavLst>
-                                        <p:tav tm="0">
-                                          <p:val>
-                                            <p:strVal val="1+#ppt_h/2"/>
-                                          </p:val>
-                                        </p:tav>
-                                        <p:tav tm="100000">
-                                          <p:val>
-                                            <p:strVal val="#ppt_y"/>
-                                          </p:val>
-                                        </p:tav>
-                                      </p:tavLst>
-                                    </p:anim>
-                                  </p:childTnLst>
-                                </p:cTn>
-                              </p:par>
-                            </p:childTnLst>
-                          </p:cTn>
-                        </p:par>
-                      </p:childTnLst>
-                    </p:cTn>
-                  </p:par>
-                </p:childTnLst>
-              </p:cTn>
-              <p:prevCondLst>
-                <p:cond evt="onPrev" delay="0">
-                  <p:tgtEl>
-                    <p:sldTgt/>
-                  </p:tgtEl>
-                </p:cond>
-              </p:prevCondLst>
-              <p:nextCondLst>
-                <p:cond evt="onNext" delay="0">
-                  <p:tgtEl>
-                    <p:sldTgt/>
-                  </p:tgtEl>
-                </p:cond>
-              </p:nextCondLst>
-            </p:seq>
-          </p:childTnLst>
-        </p:cTn>
-      </p:par>
-    </p:tnLst>
-    <p:bldLst>
-      <p:bldP spid="46" grpId="0"/>
-    </p:bldLst>
-  </p:timing>
 </p:sld>
 </file>
 
@@ -38514,15 +38065,6 @@
 </file>
 
 <file path=customXml/item1.xml><?xml version="1.0" encoding="utf-8"?>
-<?mso-contentType ?>
-<FormTemplates xmlns="http://schemas.microsoft.com/sharepoint/v3/contenttype/forms">
-  <Display>DocumentLibraryForm</Display>
-  <Edit>DocumentLibraryForm</Edit>
-  <New>DocumentLibraryForm</New>
-</FormTemplates>
-</file>
-
-<file path=customXml/item2.xml><?xml version="1.0" encoding="utf-8"?>
 <ct:contentTypeSchema xmlns:ct="http://schemas.microsoft.com/office/2006/metadata/contentType" xmlns:ma="http://schemas.microsoft.com/office/2006/metadata/properties/metaAttributes" ct:_="" ma:_="" ma:contentTypeName="Document" ma:contentTypeID="0x01010079F111ED35F8CC479449609E8A0923A6" ma:contentTypeVersion="28" ma:contentTypeDescription="Create a new document." ma:contentTypeScope="" ma:versionID="60f5a4f2d2b0abadcf532d48ebf9cb71">
   <xsd:schema xmlns:xsd="http://www.w3.org/2001/XMLSchema" xmlns:xs="http://www.w3.org/2001/XMLSchema" xmlns:p="http://schemas.microsoft.com/office/2006/metadata/properties" xmlns:ns1="http://schemas.microsoft.com/sharepoint/v3" xmlns:ns2="71af3243-3dd4-4a8d-8c0d-dd76da1f02a5" xmlns:ns3="16c05727-aa75-4e4a-9b5f-8a80a1165891" xmlns:ns4="230e9df3-be65-4c73-a93b-d1236ebd677e" targetNamespace="http://schemas.microsoft.com/office/2006/metadata/properties" ma:root="true" ma:fieldsID="7dd78129e6a1811f84807ad11c651531" ns1:_="" ns2:_="" ns3:_="" ns4:_="">
     <xsd:import namespace="http://schemas.microsoft.com/sharepoint/v3"/>
@@ -38834,6 +38376,15 @@
 </ct:contentTypeSchema>
 </file>
 
+<file path=customXml/item2.xml><?xml version="1.0" encoding="utf-8"?>
+<?mso-contentType ?>
+<FormTemplates xmlns="http://schemas.microsoft.com/sharepoint/v3/contenttype/forms">
+  <Display>DocumentLibraryForm</Display>
+  <Edit>DocumentLibraryForm</Edit>
+  <New>DocumentLibraryForm</New>
+</FormTemplates>
+</file>
+
 <file path=customXml/item3.xml><?xml version="1.0" encoding="utf-8"?>
 <p:properties xmlns:p="http://schemas.microsoft.com/office/2006/metadata/properties" xmlns:xsi="http://www.w3.org/2001/XMLSchema-instance" xmlns:pc="http://schemas.microsoft.com/office/infopath/2007/PartnerControls">
   <documentManagement>
@@ -38855,14 +38406,6 @@
 </file>
 
 <file path=customXml/itemProps1.xml><?xml version="1.0" encoding="utf-8"?>
-<ds:datastoreItem xmlns:ds="http://schemas.openxmlformats.org/officeDocument/2006/customXml" ds:itemID="{8FEDA63D-DE73-4ED5-BDF0-D3D9FD35E1ED}">
-  <ds:schemaRefs>
-    <ds:schemaRef ds:uri="http://schemas.microsoft.com/sharepoint/v3/contenttype/forms"/>
-  </ds:schemaRefs>
-</ds:datastoreItem>
-</file>
-
-<file path=customXml/itemProps2.xml><?xml version="1.0" encoding="utf-8"?>
 <ds:datastoreItem xmlns:ds="http://schemas.openxmlformats.org/officeDocument/2006/customXml" ds:itemID="{B8954E08-A2C8-44D4-BABF-5531D0DF1FAB}">
   <ds:schemaRefs>
     <ds:schemaRef ds:uri="http://schemas.microsoft.com/office/2006/metadata/contentType"/>
@@ -38883,6 +38426,14 @@
 </ds:datastoreItem>
 </file>
 
+<file path=customXml/itemProps2.xml><?xml version="1.0" encoding="utf-8"?>
+<ds:datastoreItem xmlns:ds="http://schemas.openxmlformats.org/officeDocument/2006/customXml" ds:itemID="{8FEDA63D-DE73-4ED5-BDF0-D3D9FD35E1ED}">
+  <ds:schemaRefs>
+    <ds:schemaRef ds:uri="http://schemas.microsoft.com/sharepoint/v3/contenttype/forms"/>
+  </ds:schemaRefs>
+</ds:datastoreItem>
+</file>
+
 <file path=customXml/itemProps3.xml><?xml version="1.0" encoding="utf-8"?>
 <ds:datastoreItem xmlns:ds="http://schemas.openxmlformats.org/officeDocument/2006/customXml" ds:itemID="{C8AE25C0-66E9-4E74-9814-75E5D2A6CABE}">
   <ds:schemaRefs>

--- a/thesis/abs/baocao.pptx
+++ b/thesis/abs/baocao.pptx
@@ -5,10 +5,10 @@
     <p:sldMasterId id="2147483694" r:id="rId4"/>
   </p:sldMasterIdLst>
   <p:notesMasterIdLst>
-    <p:notesMasterId r:id="rId20"/>
+    <p:notesMasterId r:id="rId21"/>
   </p:notesMasterIdLst>
   <p:handoutMasterIdLst>
-    <p:handoutMasterId r:id="rId21"/>
+    <p:handoutMasterId r:id="rId22"/>
   </p:handoutMasterIdLst>
   <p:sldIdLst>
     <p:sldId id="321" r:id="rId5"/>
@@ -16,16 +16,17 @@
     <p:sldId id="332" r:id="rId7"/>
     <p:sldId id="323" r:id="rId8"/>
     <p:sldId id="331" r:id="rId9"/>
-    <p:sldId id="347" r:id="rId10"/>
-    <p:sldId id="348" r:id="rId11"/>
-    <p:sldId id="343" r:id="rId12"/>
-    <p:sldId id="344" r:id="rId13"/>
-    <p:sldId id="334" r:id="rId14"/>
-    <p:sldId id="345" r:id="rId15"/>
-    <p:sldId id="333" r:id="rId16"/>
-    <p:sldId id="329" r:id="rId17"/>
-    <p:sldId id="346" r:id="rId18"/>
-    <p:sldId id="341" r:id="rId19"/>
+    <p:sldId id="349" r:id="rId10"/>
+    <p:sldId id="347" r:id="rId11"/>
+    <p:sldId id="348" r:id="rId12"/>
+    <p:sldId id="343" r:id="rId13"/>
+    <p:sldId id="344" r:id="rId14"/>
+    <p:sldId id="334" r:id="rId15"/>
+    <p:sldId id="345" r:id="rId16"/>
+    <p:sldId id="333" r:id="rId17"/>
+    <p:sldId id="329" r:id="rId18"/>
+    <p:sldId id="346" r:id="rId19"/>
+    <p:sldId id="341" r:id="rId20"/>
   </p:sldIdLst>
   <p:sldSz cx="12192000" cy="6858000"/>
   <p:notesSz cx="6858000" cy="9144000"/>
@@ -850,7 +851,7 @@
           <a:p>
             <a:fld id="{5B8B270D-091D-4ED2-8C85-0898DD7D9F21}" type="slidenum">
               <a:rPr lang="en-US" smtClean="0"/>
-              <a:t>12</a:t>
+              <a:t>13</a:t>
             </a:fld>
             <a:endParaRPr lang="en-US" dirty="0"/>
           </a:p>
@@ -22498,6 +22499,511 @@
         <p:cNvPr id="1" name="">
           <a:extLst>
             <a:ext uri="{FF2B5EF4-FFF2-40B4-BE49-F238E27FC236}">
+              <a16:creationId xmlns:a16="http://schemas.microsoft.com/office/drawing/2014/main" id="{B84D3C56-7D87-BA4D-19E7-B2D6AA115B35}"/>
+            </a:ext>
+          </a:extLst>
+        </p:cNvPr>
+        <p:cNvGrpSpPr/>
+        <p:nvPr/>
+      </p:nvGrpSpPr>
+      <p:grpSpPr>
+        <a:xfrm>
+          <a:off x="0" y="0"/>
+          <a:ext cx="0" cy="0"/>
+          <a:chOff x="0" y="0"/>
+          <a:chExt cx="0" cy="0"/>
+        </a:xfrm>
+      </p:grpSpPr>
+      <p:sp>
+        <p:nvSpPr>
+          <p:cNvPr id="3" name="TextBox 2">
+            <a:extLst>
+              <a:ext uri="{FF2B5EF4-FFF2-40B4-BE49-F238E27FC236}">
+                <a16:creationId xmlns:a16="http://schemas.microsoft.com/office/drawing/2014/main" id="{29C68D9B-39BD-71C7-B441-38555BBAD9B1}"/>
+              </a:ext>
+            </a:extLst>
+          </p:cNvPr>
+          <p:cNvSpPr txBox="1"/>
+          <p:nvPr/>
+        </p:nvSpPr>
+        <p:spPr>
+          <a:xfrm>
+            <a:off x="1406013" y="373626"/>
+            <a:ext cx="3254477" cy="461665"/>
+          </a:xfrm>
+          <a:prstGeom prst="rect">
+            <a:avLst/>
+          </a:prstGeom>
+          <a:noFill/>
+        </p:spPr>
+        <p:txBody>
+          <a:bodyPr wrap="square" rtlCol="0">
+            <a:spAutoFit/>
+          </a:bodyPr>
+          <a:lstStyle/>
+          <a:p>
+            <a:r>
+              <a:rPr lang="en-US" sz="2400" b="1" dirty="0">
+                <a:latin typeface="Arial" panose="020B0604020202020204" pitchFamily="34" charset="0"/>
+                <a:cs typeface="Arial" panose="020B0604020202020204" pitchFamily="34" charset="0"/>
+              </a:rPr>
+              <a:t>5. </a:t>
+            </a:r>
+            <a:r>
+              <a:rPr lang="en-US" sz="2400" b="1" dirty="0" err="1">
+                <a:latin typeface="Arial" panose="020B0604020202020204" pitchFamily="34" charset="0"/>
+                <a:cs typeface="Arial" panose="020B0604020202020204" pitchFamily="34" charset="0"/>
+              </a:rPr>
+              <a:t>Kết</a:t>
+            </a:r>
+            <a:r>
+              <a:rPr lang="en-US" sz="2400" b="1" dirty="0">
+                <a:latin typeface="Arial" panose="020B0604020202020204" pitchFamily="34" charset="0"/>
+                <a:cs typeface="Arial" panose="020B0604020202020204" pitchFamily="34" charset="0"/>
+              </a:rPr>
+              <a:t> </a:t>
+            </a:r>
+            <a:r>
+              <a:rPr lang="en-US" sz="2400" b="1" dirty="0" err="1">
+                <a:latin typeface="Arial" panose="020B0604020202020204" pitchFamily="34" charset="0"/>
+                <a:cs typeface="Arial" panose="020B0604020202020204" pitchFamily="34" charset="0"/>
+              </a:rPr>
+              <a:t>quả</a:t>
+            </a:r>
+            <a:r>
+              <a:rPr lang="en-US" sz="2400" b="1" dirty="0">
+                <a:latin typeface="Arial" panose="020B0604020202020204" pitchFamily="34" charset="0"/>
+                <a:cs typeface="Arial" panose="020B0604020202020204" pitchFamily="34" charset="0"/>
+              </a:rPr>
+              <a:t> </a:t>
+            </a:r>
+            <a:r>
+              <a:rPr lang="en-US" sz="2400" b="1" dirty="0" err="1">
+                <a:latin typeface="Arial" panose="020B0604020202020204" pitchFamily="34" charset="0"/>
+                <a:cs typeface="Arial" panose="020B0604020202020204" pitchFamily="34" charset="0"/>
+              </a:rPr>
+              <a:t>thực</a:t>
+            </a:r>
+            <a:r>
+              <a:rPr lang="en-US" sz="2400" b="1" dirty="0">
+                <a:latin typeface="Arial" panose="020B0604020202020204" pitchFamily="34" charset="0"/>
+                <a:cs typeface="Arial" panose="020B0604020202020204" pitchFamily="34" charset="0"/>
+              </a:rPr>
+              <a:t> </a:t>
+            </a:r>
+            <a:r>
+              <a:rPr lang="en-US" sz="2400" b="1" dirty="0" err="1">
+                <a:latin typeface="Arial" panose="020B0604020202020204" pitchFamily="34" charset="0"/>
+                <a:cs typeface="Arial" panose="020B0604020202020204" pitchFamily="34" charset="0"/>
+              </a:rPr>
+              <a:t>hiện</a:t>
+            </a:r>
+            <a:endParaRPr lang="en-US" sz="2400" b="1" dirty="0">
+              <a:latin typeface="Arial" panose="020B0604020202020204" pitchFamily="34" charset="0"/>
+              <a:cs typeface="Arial" panose="020B0604020202020204" pitchFamily="34" charset="0"/>
+            </a:endParaRPr>
+          </a:p>
+        </p:txBody>
+      </p:sp>
+      <p:grpSp>
+        <p:nvGrpSpPr>
+          <p:cNvPr id="4" name="Group 3">
+            <a:extLst>
+              <a:ext uri="{FF2B5EF4-FFF2-40B4-BE49-F238E27FC236}">
+                <a16:creationId xmlns:a16="http://schemas.microsoft.com/office/drawing/2014/main" id="{721E9265-044C-14C6-FC4A-7DA5F0429C00}"/>
+              </a:ext>
+            </a:extLst>
+          </p:cNvPr>
+          <p:cNvGrpSpPr/>
+          <p:nvPr/>
+        </p:nvGrpSpPr>
+        <p:grpSpPr>
+          <a:xfrm>
+            <a:off x="660213" y="1026800"/>
+            <a:ext cx="2753033" cy="707886"/>
+            <a:chOff x="816077" y="1130709"/>
+            <a:chExt cx="2753033" cy="707886"/>
+          </a:xfrm>
+        </p:grpSpPr>
+        <p:sp>
+          <p:nvSpPr>
+            <p:cNvPr id="5" name="Rectangle 4">
+              <a:extLst>
+                <a:ext uri="{FF2B5EF4-FFF2-40B4-BE49-F238E27FC236}">
+                  <a16:creationId xmlns:a16="http://schemas.microsoft.com/office/drawing/2014/main" id="{73020C5A-DFB3-BDDF-293C-7694F219BF8F}"/>
+                </a:ext>
+              </a:extLst>
+            </p:cNvPr>
+            <p:cNvSpPr/>
+            <p:nvPr/>
+          </p:nvSpPr>
+          <p:spPr>
+            <a:xfrm>
+              <a:off x="816077" y="1130709"/>
+              <a:ext cx="2753033" cy="462055"/>
+            </a:xfrm>
+            <a:prstGeom prst="rect">
+              <a:avLst/>
+            </a:prstGeom>
+            <a:solidFill>
+              <a:schemeClr val="tx2">
+                <a:lumMod val="75000"/>
+                <a:lumOff val="25000"/>
+              </a:schemeClr>
+            </a:solidFill>
+            <a:effectLst>
+              <a:outerShdw blurRad="50800" dist="38100" dir="2700000" algn="tl" rotWithShape="0">
+                <a:prstClr val="black">
+                  <a:alpha val="40000"/>
+                </a:prstClr>
+              </a:outerShdw>
+            </a:effectLst>
+          </p:spPr>
+          <p:style>
+            <a:lnRef idx="2">
+              <a:schemeClr val="accent1">
+                <a:shade val="15000"/>
+              </a:schemeClr>
+            </a:lnRef>
+            <a:fillRef idx="1">
+              <a:schemeClr val="accent1"/>
+            </a:fillRef>
+            <a:effectRef idx="0">
+              <a:schemeClr val="accent1"/>
+            </a:effectRef>
+            <a:fontRef idx="minor">
+              <a:schemeClr val="lt1"/>
+            </a:fontRef>
+          </p:style>
+          <p:txBody>
+            <a:bodyPr rtlCol="0" anchor="ctr"/>
+            <a:lstStyle/>
+            <a:p>
+              <a:pPr algn="ctr"/>
+              <a:endParaRPr lang="en-US">
+                <a:latin typeface="Arial" panose="020B0604020202020204" pitchFamily="34" charset="0"/>
+                <a:cs typeface="Arial" panose="020B0604020202020204" pitchFamily="34" charset="0"/>
+              </a:endParaRPr>
+            </a:p>
+          </p:txBody>
+        </p:sp>
+        <p:sp>
+          <p:nvSpPr>
+            <p:cNvPr id="6" name="TextBox 5">
+              <a:extLst>
+                <a:ext uri="{FF2B5EF4-FFF2-40B4-BE49-F238E27FC236}">
+                  <a16:creationId xmlns:a16="http://schemas.microsoft.com/office/drawing/2014/main" id="{CCAB0134-1F33-AB66-2355-4ABFB33CF2BD}"/>
+                </a:ext>
+              </a:extLst>
+            </p:cNvPr>
+            <p:cNvSpPr txBox="1"/>
+            <p:nvPr/>
+          </p:nvSpPr>
+          <p:spPr>
+            <a:xfrm>
+              <a:off x="1032386" y="1130709"/>
+              <a:ext cx="2206053" cy="707886"/>
+            </a:xfrm>
+            <a:prstGeom prst="rect">
+              <a:avLst/>
+            </a:prstGeom>
+            <a:noFill/>
+          </p:spPr>
+          <p:txBody>
+            <a:bodyPr wrap="none" rtlCol="0">
+              <a:spAutoFit/>
+            </a:bodyPr>
+            <a:lstStyle/>
+            <a:p>
+              <a:r>
+                <a:rPr lang="en-US" sz="2000" b="1" dirty="0" err="1">
+                  <a:solidFill>
+                    <a:schemeClr val="accent1">
+                      <a:lumMod val="20000"/>
+                      <a:lumOff val="80000"/>
+                    </a:schemeClr>
+                  </a:solidFill>
+                  <a:latin typeface="Arial" panose="020B0604020202020204" pitchFamily="34" charset="0"/>
+                  <a:cs typeface="Arial" panose="020B0604020202020204" pitchFamily="34" charset="0"/>
+                </a:rPr>
+                <a:t>Một</a:t>
+              </a:r>
+              <a:r>
+                <a:rPr lang="en-US" sz="2000" b="1" dirty="0">
+                  <a:solidFill>
+                    <a:schemeClr val="accent1">
+                      <a:lumMod val="20000"/>
+                      <a:lumOff val="80000"/>
+                    </a:schemeClr>
+                  </a:solidFill>
+                  <a:latin typeface="Arial" panose="020B0604020202020204" pitchFamily="34" charset="0"/>
+                  <a:cs typeface="Arial" panose="020B0604020202020204" pitchFamily="34" charset="0"/>
+                </a:rPr>
+                <a:t> </a:t>
+              </a:r>
+              <a:r>
+                <a:rPr lang="en-US" sz="2000" b="1" dirty="0" err="1">
+                  <a:solidFill>
+                    <a:schemeClr val="accent1">
+                      <a:lumMod val="20000"/>
+                      <a:lumOff val="80000"/>
+                    </a:schemeClr>
+                  </a:solidFill>
+                  <a:latin typeface="Arial" panose="020B0604020202020204" pitchFamily="34" charset="0"/>
+                  <a:cs typeface="Arial" panose="020B0604020202020204" pitchFamily="34" charset="0"/>
+                </a:rPr>
+                <a:t>số</a:t>
+              </a:r>
+              <a:r>
+                <a:rPr lang="en-US" sz="2000" b="1" dirty="0">
+                  <a:solidFill>
+                    <a:schemeClr val="accent1">
+                      <a:lumMod val="20000"/>
+                      <a:lumOff val="80000"/>
+                    </a:schemeClr>
+                  </a:solidFill>
+                  <a:latin typeface="Arial" panose="020B0604020202020204" pitchFamily="34" charset="0"/>
+                  <a:cs typeface="Arial" panose="020B0604020202020204" pitchFamily="34" charset="0"/>
+                </a:rPr>
+                <a:t> </a:t>
+              </a:r>
+              <a:r>
+                <a:rPr lang="en-US" sz="2000" b="1" dirty="0" err="1">
+                  <a:solidFill>
+                    <a:schemeClr val="accent1">
+                      <a:lumMod val="20000"/>
+                      <a:lumOff val="80000"/>
+                    </a:schemeClr>
+                  </a:solidFill>
+                  <a:latin typeface="Arial" panose="020B0604020202020204" pitchFamily="34" charset="0"/>
+                  <a:cs typeface="Arial" panose="020B0604020202020204" pitchFamily="34" charset="0"/>
+                </a:rPr>
+                <a:t>giao</a:t>
+              </a:r>
+              <a:r>
+                <a:rPr lang="en-US" sz="2000" b="1" dirty="0">
+                  <a:solidFill>
+                    <a:schemeClr val="accent1">
+                      <a:lumMod val="20000"/>
+                      <a:lumOff val="80000"/>
+                    </a:schemeClr>
+                  </a:solidFill>
+                  <a:latin typeface="Arial" panose="020B0604020202020204" pitchFamily="34" charset="0"/>
+                  <a:cs typeface="Arial" panose="020B0604020202020204" pitchFamily="34" charset="0"/>
+                </a:rPr>
+                <a:t> </a:t>
+              </a:r>
+              <a:r>
+                <a:rPr lang="en-US" sz="2000" b="1" dirty="0" err="1">
+                  <a:solidFill>
+                    <a:schemeClr val="accent1">
+                      <a:lumMod val="20000"/>
+                      <a:lumOff val="80000"/>
+                    </a:schemeClr>
+                  </a:solidFill>
+                  <a:latin typeface="Arial" panose="020B0604020202020204" pitchFamily="34" charset="0"/>
+                  <a:cs typeface="Arial" panose="020B0604020202020204" pitchFamily="34" charset="0"/>
+                </a:rPr>
+                <a:t>diện</a:t>
+              </a:r>
+              <a:endParaRPr lang="en-US" sz="2000" b="1" dirty="0">
+                <a:solidFill>
+                  <a:schemeClr val="accent1">
+                    <a:lumMod val="20000"/>
+                    <a:lumOff val="80000"/>
+                  </a:schemeClr>
+                </a:solidFill>
+                <a:latin typeface="Arial" panose="020B0604020202020204" pitchFamily="34" charset="0"/>
+                <a:cs typeface="Arial" panose="020B0604020202020204" pitchFamily="34" charset="0"/>
+              </a:endParaRPr>
+            </a:p>
+            <a:p>
+              <a:endParaRPr lang="en-US" sz="2000" b="1" dirty="0">
+                <a:solidFill>
+                  <a:schemeClr val="accent1">
+                    <a:lumMod val="20000"/>
+                    <a:lumOff val="80000"/>
+                  </a:schemeClr>
+                </a:solidFill>
+                <a:latin typeface="Arial" panose="020B0604020202020204" pitchFamily="34" charset="0"/>
+                <a:cs typeface="Arial" panose="020B0604020202020204" pitchFamily="34" charset="0"/>
+              </a:endParaRPr>
+            </a:p>
+          </p:txBody>
+        </p:sp>
+      </p:grpSp>
+      <p:pic>
+        <p:nvPicPr>
+          <p:cNvPr id="12" name="Picture 11" descr="A screenshot of a computer&#10;&#10;AI-generated content may be incorrect.">
+            <a:extLst>
+              <a:ext uri="{FF2B5EF4-FFF2-40B4-BE49-F238E27FC236}">
+                <a16:creationId xmlns:a16="http://schemas.microsoft.com/office/drawing/2014/main" id="{2D7AADE8-BF72-9BBF-384B-831058F4632E}"/>
+              </a:ext>
+            </a:extLst>
+          </p:cNvPr>
+          <p:cNvPicPr>
+            <a:picLocks noChangeAspect="1"/>
+          </p:cNvPicPr>
+          <p:nvPr/>
+        </p:nvPicPr>
+        <p:blipFill>
+          <a:blip r:embed="rId2"/>
+          <a:stretch>
+            <a:fillRect/>
+          </a:stretch>
+        </p:blipFill>
+        <p:spPr>
+          <a:xfrm>
+            <a:off x="2035680" y="1689228"/>
+            <a:ext cx="8120639" cy="4795146"/>
+          </a:xfrm>
+          <a:prstGeom prst="rect">
+            <a:avLst/>
+          </a:prstGeom>
+        </p:spPr>
+      </p:pic>
+    </p:spTree>
+    <p:extLst>
+      <p:ext uri="{BB962C8B-B14F-4D97-AF65-F5344CB8AC3E}">
+        <p14:creationId xmlns:p14="http://schemas.microsoft.com/office/powerpoint/2010/main" val="451455986"/>
+      </p:ext>
+    </p:extLst>
+  </p:cSld>
+  <p:clrMapOvr>
+    <a:masterClrMapping/>
+  </p:clrMapOvr>
+  <p:timing>
+    <p:tnLst>
+      <p:par>
+        <p:cTn id="1" dur="indefinite" restart="never" nodeType="tmRoot">
+          <p:childTnLst>
+            <p:seq concurrent="1" nextAc="seek">
+              <p:cTn id="2" dur="indefinite" nodeType="mainSeq">
+                <p:childTnLst>
+                  <p:par>
+                    <p:cTn id="3" fill="hold">
+                      <p:stCondLst>
+                        <p:cond delay="indefinite"/>
+                      </p:stCondLst>
+                      <p:childTnLst>
+                        <p:par>
+                          <p:cTn id="4" fill="hold">
+                            <p:stCondLst>
+                              <p:cond delay="0"/>
+                            </p:stCondLst>
+                            <p:childTnLst>
+                              <p:par>
+                                <p:cTn id="5" presetID="2" presetClass="entr" presetSubtype="4" fill="hold" nodeType="clickEffect">
+                                  <p:stCondLst>
+                                    <p:cond delay="0"/>
+                                  </p:stCondLst>
+                                  <p:childTnLst>
+                                    <p:set>
+                                      <p:cBhvr>
+                                        <p:cTn id="6" dur="1" fill="hold">
+                                          <p:stCondLst>
+                                            <p:cond delay="0"/>
+                                          </p:stCondLst>
+                                        </p:cTn>
+                                        <p:tgtEl>
+                                          <p:spTgt spid="4"/>
+                                        </p:tgtEl>
+                                        <p:attrNameLst>
+                                          <p:attrName>style.visibility</p:attrName>
+                                        </p:attrNameLst>
+                                      </p:cBhvr>
+                                      <p:to>
+                                        <p:strVal val="visible"/>
+                                      </p:to>
+                                    </p:set>
+                                    <p:anim calcmode="lin" valueType="num">
+                                      <p:cBhvr additive="base">
+                                        <p:cTn id="7" dur="500" fill="hold"/>
+                                        <p:tgtEl>
+                                          <p:spTgt spid="4"/>
+                                        </p:tgtEl>
+                                        <p:attrNameLst>
+                                          <p:attrName>ppt_x</p:attrName>
+                                        </p:attrNameLst>
+                                      </p:cBhvr>
+                                      <p:tavLst>
+                                        <p:tav tm="0">
+                                          <p:val>
+                                            <p:strVal val="#ppt_x"/>
+                                          </p:val>
+                                        </p:tav>
+                                        <p:tav tm="100000">
+                                          <p:val>
+                                            <p:strVal val="#ppt_x"/>
+                                          </p:val>
+                                        </p:tav>
+                                      </p:tavLst>
+                                    </p:anim>
+                                    <p:anim calcmode="lin" valueType="num">
+                                      <p:cBhvr additive="base">
+                                        <p:cTn id="8" dur="500" fill="hold"/>
+                                        <p:tgtEl>
+                                          <p:spTgt spid="4"/>
+                                        </p:tgtEl>
+                                        <p:attrNameLst>
+                                          <p:attrName>ppt_y</p:attrName>
+                                        </p:attrNameLst>
+                                      </p:cBhvr>
+                                      <p:tavLst>
+                                        <p:tav tm="0">
+                                          <p:val>
+                                            <p:strVal val="1+#ppt_h/2"/>
+                                          </p:val>
+                                        </p:tav>
+                                        <p:tav tm="100000">
+                                          <p:val>
+                                            <p:strVal val="#ppt_y"/>
+                                          </p:val>
+                                        </p:tav>
+                                      </p:tavLst>
+                                    </p:anim>
+                                  </p:childTnLst>
+                                </p:cTn>
+                              </p:par>
+                            </p:childTnLst>
+                          </p:cTn>
+                        </p:par>
+                      </p:childTnLst>
+                    </p:cTn>
+                  </p:par>
+                </p:childTnLst>
+              </p:cTn>
+              <p:prevCondLst>
+                <p:cond evt="onPrev" delay="0">
+                  <p:tgtEl>
+                    <p:sldTgt/>
+                  </p:tgtEl>
+                </p:cond>
+              </p:prevCondLst>
+              <p:nextCondLst>
+                <p:cond evt="onNext" delay="0">
+                  <p:tgtEl>
+                    <p:sldTgt/>
+                  </p:tgtEl>
+                </p:cond>
+              </p:nextCondLst>
+            </p:seq>
+          </p:childTnLst>
+        </p:cTn>
+      </p:par>
+    </p:tnLst>
+  </p:timing>
+</p:sld>
+</file>
+
+<file path=ppt/slides/slide11.xml><?xml version="1.0" encoding="utf-8"?>
+<p:sld xmlns:a="http://schemas.openxmlformats.org/drawingml/2006/main" xmlns:r="http://schemas.openxmlformats.org/officeDocument/2006/relationships" xmlns:p="http://schemas.openxmlformats.org/presentationml/2006/main">
+  <p:cSld>
+    <p:spTree>
+      <p:nvGrpSpPr>
+        <p:cNvPr id="1" name="">
+          <a:extLst>
+            <a:ext uri="{FF2B5EF4-FFF2-40B4-BE49-F238E27FC236}">
               <a16:creationId xmlns:a16="http://schemas.microsoft.com/office/drawing/2014/main" id="{9A9EC4F6-6862-B878-57BB-08CF4ECD247B}"/>
             </a:ext>
           </a:extLst>
@@ -22995,7 +23501,7 @@
 </p:sld>
 </file>
 
-<file path=ppt/slides/slide11.xml><?xml version="1.0" encoding="utf-8"?>
+<file path=ppt/slides/slide12.xml><?xml version="1.0" encoding="utf-8"?>
 <p:sld xmlns:a="http://schemas.openxmlformats.org/drawingml/2006/main" xmlns:r="http://schemas.openxmlformats.org/officeDocument/2006/relationships" xmlns:p="http://schemas.openxmlformats.org/presentationml/2006/main">
   <p:cSld>
     <p:spTree>
@@ -23500,7 +24006,7 @@
 </p:sld>
 </file>
 
-<file path=ppt/slides/slide12.xml><?xml version="1.0" encoding="utf-8"?>
+<file path=ppt/slides/slide13.xml><?xml version="1.0" encoding="utf-8"?>
 <p:sld xmlns:a="http://schemas.openxmlformats.org/drawingml/2006/main" xmlns:r="http://schemas.openxmlformats.org/officeDocument/2006/relationships" xmlns:p="http://schemas.openxmlformats.org/presentationml/2006/main">
   <p:cSld>
     <p:spTree>
@@ -26874,7 +27380,7 @@
 </p:sld>
 </file>
 
-<file path=ppt/slides/slide13.xml><?xml version="1.0" encoding="utf-8"?>
+<file path=ppt/slides/slide14.xml><?xml version="1.0" encoding="utf-8"?>
 <p:sld xmlns:a="http://schemas.openxmlformats.org/drawingml/2006/main" xmlns:r="http://schemas.openxmlformats.org/officeDocument/2006/relationships" xmlns:p="http://schemas.openxmlformats.org/presentationml/2006/main">
   <p:cSld>
     <p:spTree>
@@ -27448,7 +27954,7 @@
 </p:sld>
 </file>
 
-<file path=ppt/slides/slide14.xml><?xml version="1.0" encoding="utf-8"?>
+<file path=ppt/slides/slide15.xml><?xml version="1.0" encoding="utf-8"?>
 <p:sld xmlns:a="http://schemas.openxmlformats.org/drawingml/2006/main" xmlns:r="http://schemas.openxmlformats.org/officeDocument/2006/relationships" xmlns:p="http://schemas.openxmlformats.org/presentationml/2006/main">
   <p:cSld>
     <p:spTree>
@@ -28038,7 +28544,7 @@
 </p:sld>
 </file>
 
-<file path=ppt/slides/slide15.xml><?xml version="1.0" encoding="utf-8"?>
+<file path=ppt/slides/slide16.xml><?xml version="1.0" encoding="utf-8"?>
 <p:sld xmlns:a="http://schemas.openxmlformats.org/drawingml/2006/main" xmlns:r="http://schemas.openxmlformats.org/officeDocument/2006/relationships" xmlns:p="http://schemas.openxmlformats.org/presentationml/2006/main">
   <p:cSld>
     <p:spTree>
@@ -34292,6 +34798,590 @@
         <p:cNvPr id="1" name="">
           <a:extLst>
             <a:ext uri="{FF2B5EF4-FFF2-40B4-BE49-F238E27FC236}">
+              <a16:creationId xmlns:a16="http://schemas.microsoft.com/office/drawing/2014/main" id="{AC1467F7-63A7-C02B-7B23-014B7D6A2E0D}"/>
+            </a:ext>
+          </a:extLst>
+        </p:cNvPr>
+        <p:cNvGrpSpPr/>
+        <p:nvPr/>
+      </p:nvGrpSpPr>
+      <p:grpSpPr>
+        <a:xfrm>
+          <a:off x="0" y="0"/>
+          <a:ext cx="0" cy="0"/>
+          <a:chOff x="0" y="0"/>
+          <a:chExt cx="0" cy="0"/>
+        </a:xfrm>
+      </p:grpSpPr>
+      <p:sp>
+        <p:nvSpPr>
+          <p:cNvPr id="3" name="TextBox 2">
+            <a:extLst>
+              <a:ext uri="{FF2B5EF4-FFF2-40B4-BE49-F238E27FC236}">
+                <a16:creationId xmlns:a16="http://schemas.microsoft.com/office/drawing/2014/main" id="{CA3BEBAE-1495-6E80-D215-8E97669B1E56}"/>
+              </a:ext>
+            </a:extLst>
+          </p:cNvPr>
+          <p:cNvSpPr txBox="1"/>
+          <p:nvPr/>
+        </p:nvSpPr>
+        <p:spPr>
+          <a:xfrm>
+            <a:off x="1317522" y="106460"/>
+            <a:ext cx="3254477" cy="577850"/>
+          </a:xfrm>
+          <a:prstGeom prst="rect">
+            <a:avLst/>
+          </a:prstGeom>
+          <a:noFill/>
+        </p:spPr>
+        <p:txBody>
+          <a:bodyPr wrap="square" rtlCol="0">
+            <a:spAutoFit/>
+          </a:bodyPr>
+          <a:lstStyle/>
+          <a:p>
+            <a:pPr>
+              <a:lnSpc>
+                <a:spcPct val="150000"/>
+              </a:lnSpc>
+            </a:pPr>
+            <a:r>
+              <a:rPr lang="en-US" sz="2400" b="1" dirty="0">
+                <a:latin typeface="Arial" panose="020B0604020202020204" pitchFamily="34" charset="0"/>
+                <a:cs typeface="Arial" panose="020B0604020202020204" pitchFamily="34" charset="0"/>
+              </a:rPr>
+              <a:t>4. </a:t>
+            </a:r>
+            <a:r>
+              <a:rPr lang="en-US" sz="2400" b="1" dirty="0" err="1">
+                <a:latin typeface="Arial" panose="020B0604020202020204" pitchFamily="34" charset="0"/>
+                <a:cs typeface="Arial" panose="020B0604020202020204" pitchFamily="34" charset="0"/>
+              </a:rPr>
+              <a:t>Kiến</a:t>
+            </a:r>
+            <a:r>
+              <a:rPr lang="en-US" sz="2400" b="1" dirty="0">
+                <a:latin typeface="Arial" panose="020B0604020202020204" pitchFamily="34" charset="0"/>
+                <a:cs typeface="Arial" panose="020B0604020202020204" pitchFamily="34" charset="0"/>
+              </a:rPr>
+              <a:t> </a:t>
+            </a:r>
+            <a:r>
+              <a:rPr lang="en-US" sz="2400" b="1" dirty="0" err="1">
+                <a:latin typeface="Arial" panose="020B0604020202020204" pitchFamily="34" charset="0"/>
+                <a:cs typeface="Arial" panose="020B0604020202020204" pitchFamily="34" charset="0"/>
+              </a:rPr>
+              <a:t>trúc</a:t>
+            </a:r>
+            <a:r>
+              <a:rPr lang="en-US" sz="2400" b="1" dirty="0">
+                <a:latin typeface="Arial" panose="020B0604020202020204" pitchFamily="34" charset="0"/>
+                <a:cs typeface="Arial" panose="020B0604020202020204" pitchFamily="34" charset="0"/>
+              </a:rPr>
+              <a:t> </a:t>
+            </a:r>
+            <a:r>
+              <a:rPr lang="en-US" sz="2400" b="1" dirty="0" err="1">
+                <a:latin typeface="Arial" panose="020B0604020202020204" pitchFamily="34" charset="0"/>
+                <a:cs typeface="Arial" panose="020B0604020202020204" pitchFamily="34" charset="0"/>
+              </a:rPr>
+              <a:t>hệ</a:t>
+            </a:r>
+            <a:r>
+              <a:rPr lang="en-US" sz="2400" b="1" dirty="0">
+                <a:latin typeface="Arial" panose="020B0604020202020204" pitchFamily="34" charset="0"/>
+                <a:cs typeface="Arial" panose="020B0604020202020204" pitchFamily="34" charset="0"/>
+              </a:rPr>
+              <a:t> </a:t>
+            </a:r>
+            <a:r>
+              <a:rPr lang="en-US" sz="2400" b="1" dirty="0" err="1">
+                <a:latin typeface="Arial" panose="020B0604020202020204" pitchFamily="34" charset="0"/>
+                <a:cs typeface="Arial" panose="020B0604020202020204" pitchFamily="34" charset="0"/>
+              </a:rPr>
+              <a:t>thống</a:t>
+            </a:r>
+            <a:endParaRPr lang="en-US" sz="2400" b="1" dirty="0">
+              <a:latin typeface="Arial" panose="020B0604020202020204" pitchFamily="34" charset="0"/>
+              <a:cs typeface="Arial" panose="020B0604020202020204" pitchFamily="34" charset="0"/>
+            </a:endParaRPr>
+          </a:p>
+        </p:txBody>
+      </p:sp>
+      <p:grpSp>
+        <p:nvGrpSpPr>
+          <p:cNvPr id="5" name="Group 4">
+            <a:extLst>
+              <a:ext uri="{FF2B5EF4-FFF2-40B4-BE49-F238E27FC236}">
+                <a16:creationId xmlns:a16="http://schemas.microsoft.com/office/drawing/2014/main" id="{A0B483FC-BDEA-B4F3-70CB-5DCE0C12ECC4}"/>
+              </a:ext>
+            </a:extLst>
+          </p:cNvPr>
+          <p:cNvGrpSpPr/>
+          <p:nvPr/>
+        </p:nvGrpSpPr>
+        <p:grpSpPr>
+          <a:xfrm>
+            <a:off x="1023895" y="818016"/>
+            <a:ext cx="3464314" cy="958660"/>
+            <a:chOff x="816077" y="1113434"/>
+            <a:chExt cx="3464314" cy="958660"/>
+          </a:xfrm>
+        </p:grpSpPr>
+        <p:sp>
+          <p:nvSpPr>
+            <p:cNvPr id="6" name="Rectangle 5">
+              <a:extLst>
+                <a:ext uri="{FF2B5EF4-FFF2-40B4-BE49-F238E27FC236}">
+                  <a16:creationId xmlns:a16="http://schemas.microsoft.com/office/drawing/2014/main" id="{1E5DA74F-6A42-0751-9628-E1FC12345E80}"/>
+                </a:ext>
+              </a:extLst>
+            </p:cNvPr>
+            <p:cNvSpPr/>
+            <p:nvPr/>
+          </p:nvSpPr>
+          <p:spPr>
+            <a:xfrm>
+              <a:off x="816077" y="1130709"/>
+              <a:ext cx="3464314" cy="462055"/>
+            </a:xfrm>
+            <a:prstGeom prst="rect">
+              <a:avLst/>
+            </a:prstGeom>
+            <a:solidFill>
+              <a:schemeClr val="tx2">
+                <a:lumMod val="75000"/>
+                <a:lumOff val="25000"/>
+              </a:schemeClr>
+            </a:solidFill>
+            <a:effectLst>
+              <a:outerShdw blurRad="50800" dist="38100" dir="2700000" algn="tl" rotWithShape="0">
+                <a:prstClr val="black">
+                  <a:alpha val="40000"/>
+                </a:prstClr>
+              </a:outerShdw>
+            </a:effectLst>
+          </p:spPr>
+          <p:style>
+            <a:lnRef idx="2">
+              <a:schemeClr val="accent1">
+                <a:shade val="15000"/>
+              </a:schemeClr>
+            </a:lnRef>
+            <a:fillRef idx="1">
+              <a:schemeClr val="accent1"/>
+            </a:fillRef>
+            <a:effectRef idx="0">
+              <a:schemeClr val="accent1"/>
+            </a:effectRef>
+            <a:fontRef idx="minor">
+              <a:schemeClr val="lt1"/>
+            </a:fontRef>
+          </p:style>
+          <p:txBody>
+            <a:bodyPr rtlCol="0" anchor="ctr"/>
+            <a:lstStyle/>
+            <a:p>
+              <a:pPr algn="ctr">
+                <a:lnSpc>
+                  <a:spcPct val="150000"/>
+                </a:lnSpc>
+              </a:pPr>
+              <a:endParaRPr lang="en-US" dirty="0">
+                <a:latin typeface="Arial" panose="020B0604020202020204" pitchFamily="34" charset="0"/>
+                <a:cs typeface="Arial" panose="020B0604020202020204" pitchFamily="34" charset="0"/>
+              </a:endParaRPr>
+            </a:p>
+          </p:txBody>
+        </p:sp>
+        <p:sp>
+          <p:nvSpPr>
+            <p:cNvPr id="7" name="TextBox 6">
+              <a:extLst>
+                <a:ext uri="{FF2B5EF4-FFF2-40B4-BE49-F238E27FC236}">
+                  <a16:creationId xmlns:a16="http://schemas.microsoft.com/office/drawing/2014/main" id="{BA5ADD52-2F25-4E13-0371-D6128C1D070B}"/>
+                </a:ext>
+              </a:extLst>
+            </p:cNvPr>
+            <p:cNvSpPr txBox="1"/>
+            <p:nvPr/>
+          </p:nvSpPr>
+          <p:spPr>
+            <a:xfrm>
+              <a:off x="1032386" y="1113434"/>
+              <a:ext cx="3248005" cy="958660"/>
+            </a:xfrm>
+            <a:prstGeom prst="rect">
+              <a:avLst/>
+            </a:prstGeom>
+            <a:noFill/>
+          </p:spPr>
+          <p:txBody>
+            <a:bodyPr wrap="square" rtlCol="0">
+              <a:spAutoFit/>
+            </a:bodyPr>
+            <a:lstStyle/>
+            <a:p>
+              <a:pPr>
+                <a:lnSpc>
+                  <a:spcPct val="150000"/>
+                </a:lnSpc>
+              </a:pPr>
+              <a:r>
+                <a:rPr lang="en-US" sz="2000" b="1" dirty="0" err="1">
+                  <a:solidFill>
+                    <a:schemeClr val="accent1">
+                      <a:lumMod val="20000"/>
+                      <a:lumOff val="80000"/>
+                    </a:schemeClr>
+                  </a:solidFill>
+                  <a:latin typeface="Arial" panose="020B0604020202020204" pitchFamily="34" charset="0"/>
+                  <a:cs typeface="Arial" panose="020B0604020202020204" pitchFamily="34" charset="0"/>
+                </a:rPr>
+                <a:t>Mô</a:t>
+              </a:r>
+              <a:r>
+                <a:rPr lang="en-US" sz="2000" b="1" dirty="0">
+                  <a:solidFill>
+                    <a:schemeClr val="accent1">
+                      <a:lumMod val="20000"/>
+                      <a:lumOff val="80000"/>
+                    </a:schemeClr>
+                  </a:solidFill>
+                  <a:latin typeface="Arial" panose="020B0604020202020204" pitchFamily="34" charset="0"/>
+                  <a:cs typeface="Arial" panose="020B0604020202020204" pitchFamily="34" charset="0"/>
+                </a:rPr>
+                <a:t> </a:t>
+              </a:r>
+              <a:r>
+                <a:rPr lang="en-US" sz="2000" b="1" dirty="0" err="1">
+                  <a:solidFill>
+                    <a:schemeClr val="accent1">
+                      <a:lumMod val="20000"/>
+                      <a:lumOff val="80000"/>
+                    </a:schemeClr>
+                  </a:solidFill>
+                  <a:latin typeface="Arial" panose="020B0604020202020204" pitchFamily="34" charset="0"/>
+                  <a:cs typeface="Arial" panose="020B0604020202020204" pitchFamily="34" charset="0"/>
+                </a:rPr>
+                <a:t>hình</a:t>
+              </a:r>
+              <a:r>
+                <a:rPr lang="en-US" sz="2000" b="1" dirty="0">
+                  <a:solidFill>
+                    <a:schemeClr val="accent1">
+                      <a:lumMod val="20000"/>
+                      <a:lumOff val="80000"/>
+                    </a:schemeClr>
+                  </a:solidFill>
+                  <a:latin typeface="Arial" panose="020B0604020202020204" pitchFamily="34" charset="0"/>
+                  <a:cs typeface="Arial" panose="020B0604020202020204" pitchFamily="34" charset="0"/>
+                </a:rPr>
+                <a:t> </a:t>
+              </a:r>
+              <a:r>
+                <a:rPr lang="en-US" sz="2000" b="1" dirty="0" err="1">
+                  <a:solidFill>
+                    <a:schemeClr val="accent1">
+                      <a:lumMod val="20000"/>
+                      <a:lumOff val="80000"/>
+                    </a:schemeClr>
+                  </a:solidFill>
+                  <a:latin typeface="Arial" panose="020B0604020202020204" pitchFamily="34" charset="0"/>
+                  <a:cs typeface="Arial" panose="020B0604020202020204" pitchFamily="34" charset="0"/>
+                </a:rPr>
+                <a:t>cơ</a:t>
+              </a:r>
+              <a:r>
+                <a:rPr lang="en-US" sz="2000" b="1" dirty="0">
+                  <a:solidFill>
+                    <a:schemeClr val="accent1">
+                      <a:lumMod val="20000"/>
+                      <a:lumOff val="80000"/>
+                    </a:schemeClr>
+                  </a:solidFill>
+                  <a:latin typeface="Arial" panose="020B0604020202020204" pitchFamily="34" charset="0"/>
+                  <a:cs typeface="Arial" panose="020B0604020202020204" pitchFamily="34" charset="0"/>
+                </a:rPr>
+                <a:t> </a:t>
+              </a:r>
+              <a:r>
+                <a:rPr lang="en-US" sz="2000" b="1" dirty="0" err="1">
+                  <a:solidFill>
+                    <a:schemeClr val="accent1">
+                      <a:lumMod val="20000"/>
+                      <a:lumOff val="80000"/>
+                    </a:schemeClr>
+                  </a:solidFill>
+                  <a:latin typeface="Arial" panose="020B0604020202020204" pitchFamily="34" charset="0"/>
+                  <a:cs typeface="Arial" panose="020B0604020202020204" pitchFamily="34" charset="0"/>
+                </a:rPr>
+                <a:t>sở</a:t>
+              </a:r>
+              <a:r>
+                <a:rPr lang="en-US" sz="2000" b="1" dirty="0">
+                  <a:solidFill>
+                    <a:schemeClr val="accent1">
+                      <a:lumMod val="20000"/>
+                      <a:lumOff val="80000"/>
+                    </a:schemeClr>
+                  </a:solidFill>
+                  <a:latin typeface="Arial" panose="020B0604020202020204" pitchFamily="34" charset="0"/>
+                  <a:cs typeface="Arial" panose="020B0604020202020204" pitchFamily="34" charset="0"/>
+                </a:rPr>
+                <a:t> </a:t>
+              </a:r>
+              <a:r>
+                <a:rPr lang="en-US" sz="2000" b="1" dirty="0" err="1">
+                  <a:solidFill>
+                    <a:schemeClr val="accent1">
+                      <a:lumMod val="20000"/>
+                      <a:lumOff val="80000"/>
+                    </a:schemeClr>
+                  </a:solidFill>
+                  <a:latin typeface="Arial" panose="020B0604020202020204" pitchFamily="34" charset="0"/>
+                  <a:cs typeface="Arial" panose="020B0604020202020204" pitchFamily="34" charset="0"/>
+                </a:rPr>
+                <a:t>dữ</a:t>
+              </a:r>
+              <a:r>
+                <a:rPr lang="en-US" sz="2000" b="1" dirty="0">
+                  <a:solidFill>
+                    <a:schemeClr val="accent1">
+                      <a:lumMod val="20000"/>
+                      <a:lumOff val="80000"/>
+                    </a:schemeClr>
+                  </a:solidFill>
+                  <a:latin typeface="Arial" panose="020B0604020202020204" pitchFamily="34" charset="0"/>
+                  <a:cs typeface="Arial" panose="020B0604020202020204" pitchFamily="34" charset="0"/>
+                </a:rPr>
+                <a:t> </a:t>
+              </a:r>
+              <a:r>
+                <a:rPr lang="en-US" sz="2000" b="1" dirty="0" err="1">
+                  <a:solidFill>
+                    <a:schemeClr val="accent1">
+                      <a:lumMod val="20000"/>
+                      <a:lumOff val="80000"/>
+                    </a:schemeClr>
+                  </a:solidFill>
+                  <a:latin typeface="Arial" panose="020B0604020202020204" pitchFamily="34" charset="0"/>
+                  <a:cs typeface="Arial" panose="020B0604020202020204" pitchFamily="34" charset="0"/>
+                </a:rPr>
+                <a:t>liệu</a:t>
+              </a:r>
+              <a:endParaRPr lang="en-US" sz="2000" b="1" dirty="0">
+                <a:solidFill>
+                  <a:schemeClr val="accent1">
+                    <a:lumMod val="20000"/>
+                    <a:lumOff val="80000"/>
+                  </a:schemeClr>
+                </a:solidFill>
+                <a:latin typeface="Arial" panose="020B0604020202020204" pitchFamily="34" charset="0"/>
+                <a:cs typeface="Arial" panose="020B0604020202020204" pitchFamily="34" charset="0"/>
+              </a:endParaRPr>
+            </a:p>
+            <a:p>
+              <a:pPr>
+                <a:lnSpc>
+                  <a:spcPct val="150000"/>
+                </a:lnSpc>
+              </a:pPr>
+              <a:endParaRPr lang="en-US" sz="2000" b="1" dirty="0">
+                <a:solidFill>
+                  <a:schemeClr val="accent1">
+                    <a:lumMod val="20000"/>
+                    <a:lumOff val="80000"/>
+                  </a:schemeClr>
+                </a:solidFill>
+                <a:latin typeface="Arial" panose="020B0604020202020204" pitchFamily="34" charset="0"/>
+                <a:cs typeface="Arial" panose="020B0604020202020204" pitchFamily="34" charset="0"/>
+              </a:endParaRPr>
+            </a:p>
+          </p:txBody>
+        </p:sp>
+      </p:grpSp>
+      <p:pic>
+        <p:nvPicPr>
+          <p:cNvPr id="8" name="Picture 7" descr="A computer screen shot of a diagram&#10;&#10;AI-generated content may be incorrect.">
+            <a:extLst>
+              <a:ext uri="{FF2B5EF4-FFF2-40B4-BE49-F238E27FC236}">
+                <a16:creationId xmlns:a16="http://schemas.microsoft.com/office/drawing/2014/main" id="{492C170F-A275-209E-FEAB-6B5725F9282B}"/>
+              </a:ext>
+            </a:extLst>
+          </p:cNvPr>
+          <p:cNvPicPr>
+            <a:picLocks noChangeAspect="1"/>
+          </p:cNvPicPr>
+          <p:nvPr/>
+        </p:nvPicPr>
+        <p:blipFill>
+          <a:blip r:embed="rId2"/>
+          <a:stretch>
+            <a:fillRect/>
+          </a:stretch>
+        </p:blipFill>
+        <p:spPr>
+          <a:xfrm>
+            <a:off x="2237120" y="1448327"/>
+            <a:ext cx="7717760" cy="5109989"/>
+          </a:xfrm>
+          <a:prstGeom prst="rect">
+            <a:avLst/>
+          </a:prstGeom>
+        </p:spPr>
+      </p:pic>
+    </p:spTree>
+    <p:extLst>
+      <p:ext uri="{BB962C8B-B14F-4D97-AF65-F5344CB8AC3E}">
+        <p14:creationId xmlns:p14="http://schemas.microsoft.com/office/powerpoint/2010/main" val="2946966207"/>
+      </p:ext>
+    </p:extLst>
+  </p:cSld>
+  <p:clrMapOvr>
+    <a:masterClrMapping/>
+  </p:clrMapOvr>
+  <p:timing>
+    <p:tnLst>
+      <p:par>
+        <p:cTn id="1" dur="indefinite" restart="never" nodeType="tmRoot">
+          <p:childTnLst>
+            <p:seq concurrent="1" nextAc="seek">
+              <p:cTn id="2" dur="indefinite" nodeType="mainSeq">
+                <p:childTnLst>
+                  <p:par>
+                    <p:cTn id="3" fill="hold">
+                      <p:stCondLst>
+                        <p:cond delay="indefinite"/>
+                      </p:stCondLst>
+                      <p:childTnLst>
+                        <p:par>
+                          <p:cTn id="4" fill="hold">
+                            <p:stCondLst>
+                              <p:cond delay="0"/>
+                            </p:stCondLst>
+                            <p:childTnLst>
+                              <p:par>
+                                <p:cTn id="5" presetID="2" presetClass="entr" presetSubtype="4" fill="hold" nodeType="clickEffect">
+                                  <p:stCondLst>
+                                    <p:cond delay="0"/>
+                                  </p:stCondLst>
+                                  <p:childTnLst>
+                                    <p:set>
+                                      <p:cBhvr>
+                                        <p:cTn id="6" dur="1" fill="hold">
+                                          <p:stCondLst>
+                                            <p:cond delay="0"/>
+                                          </p:stCondLst>
+                                        </p:cTn>
+                                        <p:tgtEl>
+                                          <p:spTgt spid="5"/>
+                                        </p:tgtEl>
+                                        <p:attrNameLst>
+                                          <p:attrName>style.visibility</p:attrName>
+                                        </p:attrNameLst>
+                                      </p:cBhvr>
+                                      <p:to>
+                                        <p:strVal val="visible"/>
+                                      </p:to>
+                                    </p:set>
+                                    <p:anim calcmode="lin" valueType="num">
+                                      <p:cBhvr additive="base">
+                                        <p:cTn id="7" dur="500" fill="hold"/>
+                                        <p:tgtEl>
+                                          <p:spTgt spid="5"/>
+                                        </p:tgtEl>
+                                        <p:attrNameLst>
+                                          <p:attrName>ppt_x</p:attrName>
+                                        </p:attrNameLst>
+                                      </p:cBhvr>
+                                      <p:tavLst>
+                                        <p:tav tm="0">
+                                          <p:val>
+                                            <p:strVal val="#ppt_x"/>
+                                          </p:val>
+                                        </p:tav>
+                                        <p:tav tm="100000">
+                                          <p:val>
+                                            <p:strVal val="#ppt_x"/>
+                                          </p:val>
+                                        </p:tav>
+                                      </p:tavLst>
+                                    </p:anim>
+                                    <p:anim calcmode="lin" valueType="num">
+                                      <p:cBhvr additive="base">
+                                        <p:cTn id="8" dur="500" fill="hold"/>
+                                        <p:tgtEl>
+                                          <p:spTgt spid="5"/>
+                                        </p:tgtEl>
+                                        <p:attrNameLst>
+                                          <p:attrName>ppt_y</p:attrName>
+                                        </p:attrNameLst>
+                                      </p:cBhvr>
+                                      <p:tavLst>
+                                        <p:tav tm="0">
+                                          <p:val>
+                                            <p:strVal val="1+#ppt_h/2"/>
+                                          </p:val>
+                                        </p:tav>
+                                        <p:tav tm="100000">
+                                          <p:val>
+                                            <p:strVal val="#ppt_y"/>
+                                          </p:val>
+                                        </p:tav>
+                                      </p:tavLst>
+                                    </p:anim>
+                                  </p:childTnLst>
+                                </p:cTn>
+                              </p:par>
+                            </p:childTnLst>
+                          </p:cTn>
+                        </p:par>
+                      </p:childTnLst>
+                    </p:cTn>
+                  </p:par>
+                </p:childTnLst>
+              </p:cTn>
+              <p:prevCondLst>
+                <p:cond evt="onPrev" delay="0">
+                  <p:tgtEl>
+                    <p:sldTgt/>
+                  </p:tgtEl>
+                </p:cond>
+              </p:prevCondLst>
+              <p:nextCondLst>
+                <p:cond evt="onNext" delay="0">
+                  <p:tgtEl>
+                    <p:sldTgt/>
+                  </p:tgtEl>
+                </p:cond>
+              </p:nextCondLst>
+            </p:seq>
+          </p:childTnLst>
+        </p:cTn>
+      </p:par>
+    </p:tnLst>
+  </p:timing>
+</p:sld>
+</file>
+
+<file path=ppt/slides/slide7.xml><?xml version="1.0" encoding="utf-8"?>
+<p:sld xmlns:a="http://schemas.openxmlformats.org/drawingml/2006/main" xmlns:r="http://schemas.openxmlformats.org/officeDocument/2006/relationships" xmlns:p="http://schemas.openxmlformats.org/presentationml/2006/main">
+  <p:cSld>
+    <p:bg>
+      <p:bgPr>
+        <a:solidFill>
+          <a:srgbClr val="DAE3E3"/>
+        </a:solidFill>
+        <a:effectLst/>
+      </p:bgPr>
+    </p:bg>
+    <p:spTree>
+      <p:nvGrpSpPr>
+        <p:cNvPr id="1" name="">
+          <a:extLst>
+            <a:ext uri="{FF2B5EF4-FFF2-40B4-BE49-F238E27FC236}">
               <a16:creationId xmlns:a16="http://schemas.microsoft.com/office/drawing/2014/main" id="{363F4163-F020-AEA9-D1A8-91248640C21A}"/>
             </a:ext>
           </a:extLst>
@@ -35327,7 +36417,7 @@
 </p:sld>
 </file>
 
-<file path=ppt/slides/slide7.xml><?xml version="1.0" encoding="utf-8"?>
+<file path=ppt/slides/slide8.xml><?xml version="1.0" encoding="utf-8"?>
 <p:sld xmlns:a="http://schemas.openxmlformats.org/drawingml/2006/main" xmlns:r="http://schemas.openxmlformats.org/officeDocument/2006/relationships" xmlns:p="http://schemas.openxmlformats.org/presentationml/2006/main">
   <p:cSld>
     <p:bg>
@@ -36294,7 +37384,7 @@
 </p:sld>
 </file>
 
-<file path=ppt/slides/slide8.xml><?xml version="1.0" encoding="utf-8"?>
+<file path=ppt/slides/slide9.xml><?xml version="1.0" encoding="utf-8"?>
 <p:sld xmlns:a="http://schemas.openxmlformats.org/drawingml/2006/main" xmlns:r="http://schemas.openxmlformats.org/officeDocument/2006/relationships" xmlns:p="http://schemas.openxmlformats.org/presentationml/2006/main">
   <p:cSld>
     <p:spTree>
@@ -36669,511 +37759,6 @@
     <p:extLst>
       <p:ext uri="{BB962C8B-B14F-4D97-AF65-F5344CB8AC3E}">
         <p14:creationId xmlns:p14="http://schemas.microsoft.com/office/powerpoint/2010/main" val="4271776476"/>
-      </p:ext>
-    </p:extLst>
-  </p:cSld>
-  <p:clrMapOvr>
-    <a:masterClrMapping/>
-  </p:clrMapOvr>
-  <p:timing>
-    <p:tnLst>
-      <p:par>
-        <p:cTn id="1" dur="indefinite" restart="never" nodeType="tmRoot">
-          <p:childTnLst>
-            <p:seq concurrent="1" nextAc="seek">
-              <p:cTn id="2" dur="indefinite" nodeType="mainSeq">
-                <p:childTnLst>
-                  <p:par>
-                    <p:cTn id="3" fill="hold">
-                      <p:stCondLst>
-                        <p:cond delay="indefinite"/>
-                      </p:stCondLst>
-                      <p:childTnLst>
-                        <p:par>
-                          <p:cTn id="4" fill="hold">
-                            <p:stCondLst>
-                              <p:cond delay="0"/>
-                            </p:stCondLst>
-                            <p:childTnLst>
-                              <p:par>
-                                <p:cTn id="5" presetID="2" presetClass="entr" presetSubtype="4" fill="hold" nodeType="clickEffect">
-                                  <p:stCondLst>
-                                    <p:cond delay="0"/>
-                                  </p:stCondLst>
-                                  <p:childTnLst>
-                                    <p:set>
-                                      <p:cBhvr>
-                                        <p:cTn id="6" dur="1" fill="hold">
-                                          <p:stCondLst>
-                                            <p:cond delay="0"/>
-                                          </p:stCondLst>
-                                        </p:cTn>
-                                        <p:tgtEl>
-                                          <p:spTgt spid="4"/>
-                                        </p:tgtEl>
-                                        <p:attrNameLst>
-                                          <p:attrName>style.visibility</p:attrName>
-                                        </p:attrNameLst>
-                                      </p:cBhvr>
-                                      <p:to>
-                                        <p:strVal val="visible"/>
-                                      </p:to>
-                                    </p:set>
-                                    <p:anim calcmode="lin" valueType="num">
-                                      <p:cBhvr additive="base">
-                                        <p:cTn id="7" dur="500" fill="hold"/>
-                                        <p:tgtEl>
-                                          <p:spTgt spid="4"/>
-                                        </p:tgtEl>
-                                        <p:attrNameLst>
-                                          <p:attrName>ppt_x</p:attrName>
-                                        </p:attrNameLst>
-                                      </p:cBhvr>
-                                      <p:tavLst>
-                                        <p:tav tm="0">
-                                          <p:val>
-                                            <p:strVal val="#ppt_x"/>
-                                          </p:val>
-                                        </p:tav>
-                                        <p:tav tm="100000">
-                                          <p:val>
-                                            <p:strVal val="#ppt_x"/>
-                                          </p:val>
-                                        </p:tav>
-                                      </p:tavLst>
-                                    </p:anim>
-                                    <p:anim calcmode="lin" valueType="num">
-                                      <p:cBhvr additive="base">
-                                        <p:cTn id="8" dur="500" fill="hold"/>
-                                        <p:tgtEl>
-                                          <p:spTgt spid="4"/>
-                                        </p:tgtEl>
-                                        <p:attrNameLst>
-                                          <p:attrName>ppt_y</p:attrName>
-                                        </p:attrNameLst>
-                                      </p:cBhvr>
-                                      <p:tavLst>
-                                        <p:tav tm="0">
-                                          <p:val>
-                                            <p:strVal val="1+#ppt_h/2"/>
-                                          </p:val>
-                                        </p:tav>
-                                        <p:tav tm="100000">
-                                          <p:val>
-                                            <p:strVal val="#ppt_y"/>
-                                          </p:val>
-                                        </p:tav>
-                                      </p:tavLst>
-                                    </p:anim>
-                                  </p:childTnLst>
-                                </p:cTn>
-                              </p:par>
-                            </p:childTnLst>
-                          </p:cTn>
-                        </p:par>
-                      </p:childTnLst>
-                    </p:cTn>
-                  </p:par>
-                </p:childTnLst>
-              </p:cTn>
-              <p:prevCondLst>
-                <p:cond evt="onPrev" delay="0">
-                  <p:tgtEl>
-                    <p:sldTgt/>
-                  </p:tgtEl>
-                </p:cond>
-              </p:prevCondLst>
-              <p:nextCondLst>
-                <p:cond evt="onNext" delay="0">
-                  <p:tgtEl>
-                    <p:sldTgt/>
-                  </p:tgtEl>
-                </p:cond>
-              </p:nextCondLst>
-            </p:seq>
-          </p:childTnLst>
-        </p:cTn>
-      </p:par>
-    </p:tnLst>
-  </p:timing>
-</p:sld>
-</file>
-
-<file path=ppt/slides/slide9.xml><?xml version="1.0" encoding="utf-8"?>
-<p:sld xmlns:a="http://schemas.openxmlformats.org/drawingml/2006/main" xmlns:r="http://schemas.openxmlformats.org/officeDocument/2006/relationships" xmlns:p="http://schemas.openxmlformats.org/presentationml/2006/main">
-  <p:cSld>
-    <p:spTree>
-      <p:nvGrpSpPr>
-        <p:cNvPr id="1" name="">
-          <a:extLst>
-            <a:ext uri="{FF2B5EF4-FFF2-40B4-BE49-F238E27FC236}">
-              <a16:creationId xmlns:a16="http://schemas.microsoft.com/office/drawing/2014/main" id="{B84D3C56-7D87-BA4D-19E7-B2D6AA115B35}"/>
-            </a:ext>
-          </a:extLst>
-        </p:cNvPr>
-        <p:cNvGrpSpPr/>
-        <p:nvPr/>
-      </p:nvGrpSpPr>
-      <p:grpSpPr>
-        <a:xfrm>
-          <a:off x="0" y="0"/>
-          <a:ext cx="0" cy="0"/>
-          <a:chOff x="0" y="0"/>
-          <a:chExt cx="0" cy="0"/>
-        </a:xfrm>
-      </p:grpSpPr>
-      <p:sp>
-        <p:nvSpPr>
-          <p:cNvPr id="3" name="TextBox 2">
-            <a:extLst>
-              <a:ext uri="{FF2B5EF4-FFF2-40B4-BE49-F238E27FC236}">
-                <a16:creationId xmlns:a16="http://schemas.microsoft.com/office/drawing/2014/main" id="{29C68D9B-39BD-71C7-B441-38555BBAD9B1}"/>
-              </a:ext>
-            </a:extLst>
-          </p:cNvPr>
-          <p:cNvSpPr txBox="1"/>
-          <p:nvPr/>
-        </p:nvSpPr>
-        <p:spPr>
-          <a:xfrm>
-            <a:off x="1406013" y="373626"/>
-            <a:ext cx="3254477" cy="461665"/>
-          </a:xfrm>
-          <a:prstGeom prst="rect">
-            <a:avLst/>
-          </a:prstGeom>
-          <a:noFill/>
-        </p:spPr>
-        <p:txBody>
-          <a:bodyPr wrap="square" rtlCol="0">
-            <a:spAutoFit/>
-          </a:bodyPr>
-          <a:lstStyle/>
-          <a:p>
-            <a:r>
-              <a:rPr lang="en-US" sz="2400" b="1" dirty="0">
-                <a:latin typeface="Arial" panose="020B0604020202020204" pitchFamily="34" charset="0"/>
-                <a:cs typeface="Arial" panose="020B0604020202020204" pitchFamily="34" charset="0"/>
-              </a:rPr>
-              <a:t>5. </a:t>
-            </a:r>
-            <a:r>
-              <a:rPr lang="en-US" sz="2400" b="1" dirty="0" err="1">
-                <a:latin typeface="Arial" panose="020B0604020202020204" pitchFamily="34" charset="0"/>
-                <a:cs typeface="Arial" panose="020B0604020202020204" pitchFamily="34" charset="0"/>
-              </a:rPr>
-              <a:t>Kết</a:t>
-            </a:r>
-            <a:r>
-              <a:rPr lang="en-US" sz="2400" b="1" dirty="0">
-                <a:latin typeface="Arial" panose="020B0604020202020204" pitchFamily="34" charset="0"/>
-                <a:cs typeface="Arial" panose="020B0604020202020204" pitchFamily="34" charset="0"/>
-              </a:rPr>
-              <a:t> </a:t>
-            </a:r>
-            <a:r>
-              <a:rPr lang="en-US" sz="2400" b="1" dirty="0" err="1">
-                <a:latin typeface="Arial" panose="020B0604020202020204" pitchFamily="34" charset="0"/>
-                <a:cs typeface="Arial" panose="020B0604020202020204" pitchFamily="34" charset="0"/>
-              </a:rPr>
-              <a:t>quả</a:t>
-            </a:r>
-            <a:r>
-              <a:rPr lang="en-US" sz="2400" b="1" dirty="0">
-                <a:latin typeface="Arial" panose="020B0604020202020204" pitchFamily="34" charset="0"/>
-                <a:cs typeface="Arial" panose="020B0604020202020204" pitchFamily="34" charset="0"/>
-              </a:rPr>
-              <a:t> </a:t>
-            </a:r>
-            <a:r>
-              <a:rPr lang="en-US" sz="2400" b="1" dirty="0" err="1">
-                <a:latin typeface="Arial" panose="020B0604020202020204" pitchFamily="34" charset="0"/>
-                <a:cs typeface="Arial" panose="020B0604020202020204" pitchFamily="34" charset="0"/>
-              </a:rPr>
-              <a:t>thực</a:t>
-            </a:r>
-            <a:r>
-              <a:rPr lang="en-US" sz="2400" b="1" dirty="0">
-                <a:latin typeface="Arial" panose="020B0604020202020204" pitchFamily="34" charset="0"/>
-                <a:cs typeface="Arial" panose="020B0604020202020204" pitchFamily="34" charset="0"/>
-              </a:rPr>
-              <a:t> </a:t>
-            </a:r>
-            <a:r>
-              <a:rPr lang="en-US" sz="2400" b="1" dirty="0" err="1">
-                <a:latin typeface="Arial" panose="020B0604020202020204" pitchFamily="34" charset="0"/>
-                <a:cs typeface="Arial" panose="020B0604020202020204" pitchFamily="34" charset="0"/>
-              </a:rPr>
-              <a:t>hiện</a:t>
-            </a:r>
-            <a:endParaRPr lang="en-US" sz="2400" b="1" dirty="0">
-              <a:latin typeface="Arial" panose="020B0604020202020204" pitchFamily="34" charset="0"/>
-              <a:cs typeface="Arial" panose="020B0604020202020204" pitchFamily="34" charset="0"/>
-            </a:endParaRPr>
-          </a:p>
-        </p:txBody>
-      </p:sp>
-      <p:grpSp>
-        <p:nvGrpSpPr>
-          <p:cNvPr id="4" name="Group 3">
-            <a:extLst>
-              <a:ext uri="{FF2B5EF4-FFF2-40B4-BE49-F238E27FC236}">
-                <a16:creationId xmlns:a16="http://schemas.microsoft.com/office/drawing/2014/main" id="{721E9265-044C-14C6-FC4A-7DA5F0429C00}"/>
-              </a:ext>
-            </a:extLst>
-          </p:cNvPr>
-          <p:cNvGrpSpPr/>
-          <p:nvPr/>
-        </p:nvGrpSpPr>
-        <p:grpSpPr>
-          <a:xfrm>
-            <a:off x="660213" y="1026800"/>
-            <a:ext cx="2753033" cy="707886"/>
-            <a:chOff x="816077" y="1130709"/>
-            <a:chExt cx="2753033" cy="707886"/>
-          </a:xfrm>
-        </p:grpSpPr>
-        <p:sp>
-          <p:nvSpPr>
-            <p:cNvPr id="5" name="Rectangle 4">
-              <a:extLst>
-                <a:ext uri="{FF2B5EF4-FFF2-40B4-BE49-F238E27FC236}">
-                  <a16:creationId xmlns:a16="http://schemas.microsoft.com/office/drawing/2014/main" id="{73020C5A-DFB3-BDDF-293C-7694F219BF8F}"/>
-                </a:ext>
-              </a:extLst>
-            </p:cNvPr>
-            <p:cNvSpPr/>
-            <p:nvPr/>
-          </p:nvSpPr>
-          <p:spPr>
-            <a:xfrm>
-              <a:off x="816077" y="1130709"/>
-              <a:ext cx="2753033" cy="462055"/>
-            </a:xfrm>
-            <a:prstGeom prst="rect">
-              <a:avLst/>
-            </a:prstGeom>
-            <a:solidFill>
-              <a:schemeClr val="tx2">
-                <a:lumMod val="75000"/>
-                <a:lumOff val="25000"/>
-              </a:schemeClr>
-            </a:solidFill>
-            <a:effectLst>
-              <a:outerShdw blurRad="50800" dist="38100" dir="2700000" algn="tl" rotWithShape="0">
-                <a:prstClr val="black">
-                  <a:alpha val="40000"/>
-                </a:prstClr>
-              </a:outerShdw>
-            </a:effectLst>
-          </p:spPr>
-          <p:style>
-            <a:lnRef idx="2">
-              <a:schemeClr val="accent1">
-                <a:shade val="15000"/>
-              </a:schemeClr>
-            </a:lnRef>
-            <a:fillRef idx="1">
-              <a:schemeClr val="accent1"/>
-            </a:fillRef>
-            <a:effectRef idx="0">
-              <a:schemeClr val="accent1"/>
-            </a:effectRef>
-            <a:fontRef idx="minor">
-              <a:schemeClr val="lt1"/>
-            </a:fontRef>
-          </p:style>
-          <p:txBody>
-            <a:bodyPr rtlCol="0" anchor="ctr"/>
-            <a:lstStyle/>
-            <a:p>
-              <a:pPr algn="ctr"/>
-              <a:endParaRPr lang="en-US">
-                <a:latin typeface="Arial" panose="020B0604020202020204" pitchFamily="34" charset="0"/>
-                <a:cs typeface="Arial" panose="020B0604020202020204" pitchFamily="34" charset="0"/>
-              </a:endParaRPr>
-            </a:p>
-          </p:txBody>
-        </p:sp>
-        <p:sp>
-          <p:nvSpPr>
-            <p:cNvPr id="6" name="TextBox 5">
-              <a:extLst>
-                <a:ext uri="{FF2B5EF4-FFF2-40B4-BE49-F238E27FC236}">
-                  <a16:creationId xmlns:a16="http://schemas.microsoft.com/office/drawing/2014/main" id="{CCAB0134-1F33-AB66-2355-4ABFB33CF2BD}"/>
-                </a:ext>
-              </a:extLst>
-            </p:cNvPr>
-            <p:cNvSpPr txBox="1"/>
-            <p:nvPr/>
-          </p:nvSpPr>
-          <p:spPr>
-            <a:xfrm>
-              <a:off x="1032386" y="1130709"/>
-              <a:ext cx="2206053" cy="707886"/>
-            </a:xfrm>
-            <a:prstGeom prst="rect">
-              <a:avLst/>
-            </a:prstGeom>
-            <a:noFill/>
-          </p:spPr>
-          <p:txBody>
-            <a:bodyPr wrap="none" rtlCol="0">
-              <a:spAutoFit/>
-            </a:bodyPr>
-            <a:lstStyle/>
-            <a:p>
-              <a:r>
-                <a:rPr lang="en-US" sz="2000" b="1" dirty="0" err="1">
-                  <a:solidFill>
-                    <a:schemeClr val="accent1">
-                      <a:lumMod val="20000"/>
-                      <a:lumOff val="80000"/>
-                    </a:schemeClr>
-                  </a:solidFill>
-                  <a:latin typeface="Arial" panose="020B0604020202020204" pitchFamily="34" charset="0"/>
-                  <a:cs typeface="Arial" panose="020B0604020202020204" pitchFamily="34" charset="0"/>
-                </a:rPr>
-                <a:t>Một</a:t>
-              </a:r>
-              <a:r>
-                <a:rPr lang="en-US" sz="2000" b="1" dirty="0">
-                  <a:solidFill>
-                    <a:schemeClr val="accent1">
-                      <a:lumMod val="20000"/>
-                      <a:lumOff val="80000"/>
-                    </a:schemeClr>
-                  </a:solidFill>
-                  <a:latin typeface="Arial" panose="020B0604020202020204" pitchFamily="34" charset="0"/>
-                  <a:cs typeface="Arial" panose="020B0604020202020204" pitchFamily="34" charset="0"/>
-                </a:rPr>
-                <a:t> </a:t>
-              </a:r>
-              <a:r>
-                <a:rPr lang="en-US" sz="2000" b="1" dirty="0" err="1">
-                  <a:solidFill>
-                    <a:schemeClr val="accent1">
-                      <a:lumMod val="20000"/>
-                      <a:lumOff val="80000"/>
-                    </a:schemeClr>
-                  </a:solidFill>
-                  <a:latin typeface="Arial" panose="020B0604020202020204" pitchFamily="34" charset="0"/>
-                  <a:cs typeface="Arial" panose="020B0604020202020204" pitchFamily="34" charset="0"/>
-                </a:rPr>
-                <a:t>số</a:t>
-              </a:r>
-              <a:r>
-                <a:rPr lang="en-US" sz="2000" b="1" dirty="0">
-                  <a:solidFill>
-                    <a:schemeClr val="accent1">
-                      <a:lumMod val="20000"/>
-                      <a:lumOff val="80000"/>
-                    </a:schemeClr>
-                  </a:solidFill>
-                  <a:latin typeface="Arial" panose="020B0604020202020204" pitchFamily="34" charset="0"/>
-                  <a:cs typeface="Arial" panose="020B0604020202020204" pitchFamily="34" charset="0"/>
-                </a:rPr>
-                <a:t> </a:t>
-              </a:r>
-              <a:r>
-                <a:rPr lang="en-US" sz="2000" b="1" dirty="0" err="1">
-                  <a:solidFill>
-                    <a:schemeClr val="accent1">
-                      <a:lumMod val="20000"/>
-                      <a:lumOff val="80000"/>
-                    </a:schemeClr>
-                  </a:solidFill>
-                  <a:latin typeface="Arial" panose="020B0604020202020204" pitchFamily="34" charset="0"/>
-                  <a:cs typeface="Arial" panose="020B0604020202020204" pitchFamily="34" charset="0"/>
-                </a:rPr>
-                <a:t>giao</a:t>
-              </a:r>
-              <a:r>
-                <a:rPr lang="en-US" sz="2000" b="1" dirty="0">
-                  <a:solidFill>
-                    <a:schemeClr val="accent1">
-                      <a:lumMod val="20000"/>
-                      <a:lumOff val="80000"/>
-                    </a:schemeClr>
-                  </a:solidFill>
-                  <a:latin typeface="Arial" panose="020B0604020202020204" pitchFamily="34" charset="0"/>
-                  <a:cs typeface="Arial" panose="020B0604020202020204" pitchFamily="34" charset="0"/>
-                </a:rPr>
-                <a:t> </a:t>
-              </a:r>
-              <a:r>
-                <a:rPr lang="en-US" sz="2000" b="1" dirty="0" err="1">
-                  <a:solidFill>
-                    <a:schemeClr val="accent1">
-                      <a:lumMod val="20000"/>
-                      <a:lumOff val="80000"/>
-                    </a:schemeClr>
-                  </a:solidFill>
-                  <a:latin typeface="Arial" panose="020B0604020202020204" pitchFamily="34" charset="0"/>
-                  <a:cs typeface="Arial" panose="020B0604020202020204" pitchFamily="34" charset="0"/>
-                </a:rPr>
-                <a:t>diện</a:t>
-              </a:r>
-              <a:endParaRPr lang="en-US" sz="2000" b="1" dirty="0">
-                <a:solidFill>
-                  <a:schemeClr val="accent1">
-                    <a:lumMod val="20000"/>
-                    <a:lumOff val="80000"/>
-                  </a:schemeClr>
-                </a:solidFill>
-                <a:latin typeface="Arial" panose="020B0604020202020204" pitchFamily="34" charset="0"/>
-                <a:cs typeface="Arial" panose="020B0604020202020204" pitchFamily="34" charset="0"/>
-              </a:endParaRPr>
-            </a:p>
-            <a:p>
-              <a:endParaRPr lang="en-US" sz="2000" b="1" dirty="0">
-                <a:solidFill>
-                  <a:schemeClr val="accent1">
-                    <a:lumMod val="20000"/>
-                    <a:lumOff val="80000"/>
-                  </a:schemeClr>
-                </a:solidFill>
-                <a:latin typeface="Arial" panose="020B0604020202020204" pitchFamily="34" charset="0"/>
-                <a:cs typeface="Arial" panose="020B0604020202020204" pitchFamily="34" charset="0"/>
-              </a:endParaRPr>
-            </a:p>
-          </p:txBody>
-        </p:sp>
-      </p:grpSp>
-      <p:pic>
-        <p:nvPicPr>
-          <p:cNvPr id="12" name="Picture 11" descr="A screenshot of a computer&#10;&#10;AI-generated content may be incorrect.">
-            <a:extLst>
-              <a:ext uri="{FF2B5EF4-FFF2-40B4-BE49-F238E27FC236}">
-                <a16:creationId xmlns:a16="http://schemas.microsoft.com/office/drawing/2014/main" id="{2D7AADE8-BF72-9BBF-384B-831058F4632E}"/>
-              </a:ext>
-            </a:extLst>
-          </p:cNvPr>
-          <p:cNvPicPr>
-            <a:picLocks noChangeAspect="1"/>
-          </p:cNvPicPr>
-          <p:nvPr/>
-        </p:nvPicPr>
-        <p:blipFill>
-          <a:blip r:embed="rId2"/>
-          <a:stretch>
-            <a:fillRect/>
-          </a:stretch>
-        </p:blipFill>
-        <p:spPr>
-          <a:xfrm>
-            <a:off x="2035680" y="1689228"/>
-            <a:ext cx="8120639" cy="4795146"/>
-          </a:xfrm>
-          <a:prstGeom prst="rect">
-            <a:avLst/>
-          </a:prstGeom>
-        </p:spPr>
-      </p:pic>
-    </p:spTree>
-    <p:extLst>
-      <p:ext uri="{BB962C8B-B14F-4D97-AF65-F5344CB8AC3E}">
-        <p14:creationId xmlns:p14="http://schemas.microsoft.com/office/powerpoint/2010/main" val="451455986"/>
       </p:ext>
     </p:extLst>
   </p:cSld>
@@ -38065,6 +38650,35 @@
 </file>
 
 <file path=customXml/item1.xml><?xml version="1.0" encoding="utf-8"?>
+<p:properties xmlns:p="http://schemas.microsoft.com/office/2006/metadata/properties" xmlns:xsi="http://www.w3.org/2001/XMLSchema-instance" xmlns:pc="http://schemas.microsoft.com/office/infopath/2007/PartnerControls">
+  <documentManagement>
+    <_ip_UnifiedCompliancePolicyUIAction xmlns="http://schemas.microsoft.com/sharepoint/v3" xsi:nil="true"/>
+    <Image xmlns="71af3243-3dd4-4a8d-8c0d-dd76da1f02a5">
+      <Url xsi:nil="true"/>
+      <Description xsi:nil="true"/>
+    </Image>
+    <Status xmlns="71af3243-3dd4-4a8d-8c0d-dd76da1f02a5">Not started</Status>
+    <Background xmlns="71af3243-3dd4-4a8d-8c0d-dd76da1f02a5">false</Background>
+    <_ip_UnifiedCompliancePolicyProperties xmlns="http://schemas.microsoft.com/sharepoint/v3" xsi:nil="true"/>
+    <ImageTagsTaxHTField xmlns="71af3243-3dd4-4a8d-8c0d-dd76da1f02a5">
+      <Terms xmlns="http://schemas.microsoft.com/office/infopath/2007/PartnerControls"/>
+    </ImageTagsTaxHTField>
+    <TaxCatchAll xmlns="230e9df3-be65-4c73-a93b-d1236ebd677e" xsi:nil="true"/>
+    <MediaServiceKeyPoints xmlns="71af3243-3dd4-4a8d-8c0d-dd76da1f02a5" xsi:nil="true"/>
+  </documentManagement>
+</p:properties>
+</file>
+
+<file path=customXml/item2.xml><?xml version="1.0" encoding="utf-8"?>
+<?mso-contentType ?>
+<FormTemplates xmlns="http://schemas.microsoft.com/sharepoint/v3/contenttype/forms">
+  <Display>DocumentLibraryForm</Display>
+  <Edit>DocumentLibraryForm</Edit>
+  <New>DocumentLibraryForm</New>
+</FormTemplates>
+</file>
+
+<file path=customXml/item3.xml><?xml version="1.0" encoding="utf-8"?>
 <ct:contentTypeSchema xmlns:ct="http://schemas.microsoft.com/office/2006/metadata/contentType" xmlns:ma="http://schemas.microsoft.com/office/2006/metadata/properties/metaAttributes" ct:_="" ma:_="" ma:contentTypeName="Document" ma:contentTypeID="0x01010079F111ED35F8CC479449609E8A0923A6" ma:contentTypeVersion="28" ma:contentTypeDescription="Create a new document." ma:contentTypeScope="" ma:versionID="60f5a4f2d2b0abadcf532d48ebf9cb71">
   <xsd:schema xmlns:xsd="http://www.w3.org/2001/XMLSchema" xmlns:xs="http://www.w3.org/2001/XMLSchema" xmlns:p="http://schemas.microsoft.com/office/2006/metadata/properties" xmlns:ns1="http://schemas.microsoft.com/sharepoint/v3" xmlns:ns2="71af3243-3dd4-4a8d-8c0d-dd76da1f02a5" xmlns:ns3="16c05727-aa75-4e4a-9b5f-8a80a1165891" xmlns:ns4="230e9df3-be65-4c73-a93b-d1236ebd677e" targetNamespace="http://schemas.microsoft.com/office/2006/metadata/properties" ma:root="true" ma:fieldsID="7dd78129e6a1811f84807ad11c651531" ns1:_="" ns2:_="" ns3:_="" ns4:_="">
     <xsd:import namespace="http://schemas.microsoft.com/sharepoint/v3"/>
@@ -38376,36 +38990,27 @@
 </ct:contentTypeSchema>
 </file>
 
-<file path=customXml/item2.xml><?xml version="1.0" encoding="utf-8"?>
-<?mso-contentType ?>
-<FormTemplates xmlns="http://schemas.microsoft.com/sharepoint/v3/contenttype/forms">
-  <Display>DocumentLibraryForm</Display>
-  <Edit>DocumentLibraryForm</Edit>
-  <New>DocumentLibraryForm</New>
-</FormTemplates>
+<file path=customXml/itemProps1.xml><?xml version="1.0" encoding="utf-8"?>
+<ds:datastoreItem xmlns:ds="http://schemas.openxmlformats.org/officeDocument/2006/customXml" ds:itemID="{C8AE25C0-66E9-4E74-9814-75E5D2A6CABE}">
+  <ds:schemaRefs>
+    <ds:schemaRef ds:uri="http://schemas.microsoft.com/office/2006/metadata/properties"/>
+    <ds:schemaRef ds:uri="http://schemas.microsoft.com/office/infopath/2007/PartnerControls"/>
+    <ds:schemaRef ds:uri="http://schemas.microsoft.com/sharepoint/v3"/>
+    <ds:schemaRef ds:uri="71af3243-3dd4-4a8d-8c0d-dd76da1f02a5"/>
+    <ds:schemaRef ds:uri="230e9df3-be65-4c73-a93b-d1236ebd677e"/>
+  </ds:schemaRefs>
+</ds:datastoreItem>
 </file>
 
-<file path=customXml/item3.xml><?xml version="1.0" encoding="utf-8"?>
-<p:properties xmlns:p="http://schemas.microsoft.com/office/2006/metadata/properties" xmlns:xsi="http://www.w3.org/2001/XMLSchema-instance" xmlns:pc="http://schemas.microsoft.com/office/infopath/2007/PartnerControls">
-  <documentManagement>
-    <_ip_UnifiedCompliancePolicyUIAction xmlns="http://schemas.microsoft.com/sharepoint/v3" xsi:nil="true"/>
-    <Image xmlns="71af3243-3dd4-4a8d-8c0d-dd76da1f02a5">
-      <Url xsi:nil="true"/>
-      <Description xsi:nil="true"/>
-    </Image>
-    <Status xmlns="71af3243-3dd4-4a8d-8c0d-dd76da1f02a5">Not started</Status>
-    <Background xmlns="71af3243-3dd4-4a8d-8c0d-dd76da1f02a5">false</Background>
-    <_ip_UnifiedCompliancePolicyProperties xmlns="http://schemas.microsoft.com/sharepoint/v3" xsi:nil="true"/>
-    <ImageTagsTaxHTField xmlns="71af3243-3dd4-4a8d-8c0d-dd76da1f02a5">
-      <Terms xmlns="http://schemas.microsoft.com/office/infopath/2007/PartnerControls"/>
-    </ImageTagsTaxHTField>
-    <TaxCatchAll xmlns="230e9df3-be65-4c73-a93b-d1236ebd677e" xsi:nil="true"/>
-    <MediaServiceKeyPoints xmlns="71af3243-3dd4-4a8d-8c0d-dd76da1f02a5" xsi:nil="true"/>
-  </documentManagement>
-</p:properties>
+<file path=customXml/itemProps2.xml><?xml version="1.0" encoding="utf-8"?>
+<ds:datastoreItem xmlns:ds="http://schemas.openxmlformats.org/officeDocument/2006/customXml" ds:itemID="{8FEDA63D-DE73-4ED5-BDF0-D3D9FD35E1ED}">
+  <ds:schemaRefs>
+    <ds:schemaRef ds:uri="http://schemas.microsoft.com/sharepoint/v3/contenttype/forms"/>
+  </ds:schemaRefs>
+</ds:datastoreItem>
 </file>
 
-<file path=customXml/itemProps1.xml><?xml version="1.0" encoding="utf-8"?>
+<file path=customXml/itemProps3.xml><?xml version="1.0" encoding="utf-8"?>
 <ds:datastoreItem xmlns:ds="http://schemas.openxmlformats.org/officeDocument/2006/customXml" ds:itemID="{B8954E08-A2C8-44D4-BABF-5531D0DF1FAB}">
   <ds:schemaRefs>
     <ds:schemaRef ds:uri="http://schemas.microsoft.com/office/2006/metadata/contentType"/>
@@ -38426,26 +39031,6 @@
 </ds:datastoreItem>
 </file>
 
-<file path=customXml/itemProps2.xml><?xml version="1.0" encoding="utf-8"?>
-<ds:datastoreItem xmlns:ds="http://schemas.openxmlformats.org/officeDocument/2006/customXml" ds:itemID="{8FEDA63D-DE73-4ED5-BDF0-D3D9FD35E1ED}">
-  <ds:schemaRefs>
-    <ds:schemaRef ds:uri="http://schemas.microsoft.com/sharepoint/v3/contenttype/forms"/>
-  </ds:schemaRefs>
-</ds:datastoreItem>
-</file>
-
-<file path=customXml/itemProps3.xml><?xml version="1.0" encoding="utf-8"?>
-<ds:datastoreItem xmlns:ds="http://schemas.openxmlformats.org/officeDocument/2006/customXml" ds:itemID="{C8AE25C0-66E9-4E74-9814-75E5D2A6CABE}">
-  <ds:schemaRefs>
-    <ds:schemaRef ds:uri="http://schemas.microsoft.com/office/2006/metadata/properties"/>
-    <ds:schemaRef ds:uri="http://schemas.microsoft.com/office/infopath/2007/PartnerControls"/>
-    <ds:schemaRef ds:uri="http://schemas.microsoft.com/sharepoint/v3"/>
-    <ds:schemaRef ds:uri="71af3243-3dd4-4a8d-8c0d-dd76da1f02a5"/>
-    <ds:schemaRef ds:uri="230e9df3-be65-4c73-a93b-d1236ebd677e"/>
-  </ds:schemaRefs>
-</ds:datastoreItem>
-</file>
-
 <file path=docMetadata/LabelInfo.xml><?xml version="1.0" encoding="utf-8"?>
 <clbl:labelList xmlns:clbl="http://schemas.microsoft.com/office/2020/mipLabelMetadata"/>
 </file>